--- a/SDU/Lærings teknologi/4. Adfærdsdesign/Alfærdsdesign Powerpoint.pptx
+++ b/SDU/Lærings teknologi/4. Adfærdsdesign/Alfærdsdesign Powerpoint.pptx
@@ -4,6 +4,9 @@
   <p:sldMasterIdLst>
     <p:sldMasterId id="2147483648" r:id="rId4"/>
   </p:sldMasterIdLst>
+  <p:notesMasterIdLst>
+    <p:notesMasterId r:id="rId13"/>
+  </p:notesMasterIdLst>
   <p:sldIdLst>
     <p:sldId id="256" r:id="rId5"/>
     <p:sldId id="257" r:id="rId6"/>
@@ -12,9 +15,7 @@
     <p:sldId id="267" r:id="rId9"/>
     <p:sldId id="268" r:id="rId10"/>
     <p:sldId id="269" r:id="rId11"/>
-    <p:sldId id="270" r:id="rId12"/>
-    <p:sldId id="263" r:id="rId13"/>
-    <p:sldId id="264" r:id="rId14"/>
+    <p:sldId id="263" r:id="rId12"/>
   </p:sldIdLst>
   <p:sldSz cx="12192000" cy="6858000"/>
   <p:notesSz cx="6858000" cy="9144000"/>
@@ -129,6 +130,440 @@
 </p1510:revInfo>
 </file>
 
+<file path=ppt/notesMasters/notesMaster1.xml><?xml version="1.0" encoding="utf-8"?>
+<p:notesMaster xmlns:a="http://schemas.openxmlformats.org/drawingml/2006/main" xmlns:r="http://schemas.openxmlformats.org/officeDocument/2006/relationships" xmlns:p="http://schemas.openxmlformats.org/presentationml/2006/main">
+  <p:cSld>
+    <p:bg>
+      <p:bgRef idx="1001">
+        <a:schemeClr val="bg1"/>
+      </p:bgRef>
+    </p:bg>
+    <p:spTree>
+      <p:nvGrpSpPr>
+        <p:cNvPr id="1" name=""/>
+        <p:cNvGrpSpPr/>
+        <p:nvPr/>
+      </p:nvGrpSpPr>
+      <p:grpSpPr>
+        <a:xfrm>
+          <a:off x="0" y="0"/>
+          <a:ext cx="0" cy="0"/>
+          <a:chOff x="0" y="0"/>
+          <a:chExt cx="0" cy="0"/>
+        </a:xfrm>
+      </p:grpSpPr>
+      <p:sp>
+        <p:nvSpPr>
+          <p:cNvPr id="2" name="Header Placeholder 1"/>
+          <p:cNvSpPr>
+            <a:spLocks noGrp="1"/>
+          </p:cNvSpPr>
+          <p:nvPr>
+            <p:ph type="hdr" sz="quarter"/>
+          </p:nvPr>
+        </p:nvSpPr>
+        <p:spPr>
+          <a:xfrm>
+            <a:off x="0" y="0"/>
+            <a:ext cx="2971800" cy="458788"/>
+          </a:xfrm>
+          <a:prstGeom prst="rect">
+            <a:avLst/>
+          </a:prstGeom>
+        </p:spPr>
+        <p:txBody>
+          <a:bodyPr vert="horz" lIns="91440" tIns="45720" rIns="91440" bIns="45720" rtlCol="0"/>
+          <a:lstStyle>
+            <a:lvl1pPr algn="l">
+              <a:defRPr sz="1200"/>
+            </a:lvl1pPr>
+          </a:lstStyle>
+          <a:p>
+            <a:endParaRPr lang="en-DK"/>
+          </a:p>
+        </p:txBody>
+      </p:sp>
+      <p:sp>
+        <p:nvSpPr>
+          <p:cNvPr id="3" name="Date Placeholder 2"/>
+          <p:cNvSpPr>
+            <a:spLocks noGrp="1"/>
+          </p:cNvSpPr>
+          <p:nvPr>
+            <p:ph type="dt" idx="1"/>
+          </p:nvPr>
+        </p:nvSpPr>
+        <p:spPr>
+          <a:xfrm>
+            <a:off x="3884613" y="0"/>
+            <a:ext cx="2971800" cy="458788"/>
+          </a:xfrm>
+          <a:prstGeom prst="rect">
+            <a:avLst/>
+          </a:prstGeom>
+        </p:spPr>
+        <p:txBody>
+          <a:bodyPr vert="horz" lIns="91440" tIns="45720" rIns="91440" bIns="45720" rtlCol="0"/>
+          <a:lstStyle>
+            <a:lvl1pPr algn="r">
+              <a:defRPr sz="1200"/>
+            </a:lvl1pPr>
+          </a:lstStyle>
+          <a:p>
+            <a:fld id="{65530DF3-82DA-40F4-993C-821892509791}" type="datetimeFigureOut">
+              <a:rPr lang="en-DK" smtClean="0"/>
+              <a:t>27/01/2025</a:t>
+            </a:fld>
+            <a:endParaRPr lang="en-DK"/>
+          </a:p>
+        </p:txBody>
+      </p:sp>
+      <p:sp>
+        <p:nvSpPr>
+          <p:cNvPr id="4" name="Slide Image Placeholder 3"/>
+          <p:cNvSpPr>
+            <a:spLocks noGrp="1" noRot="1" noChangeAspect="1"/>
+          </p:cNvSpPr>
+          <p:nvPr>
+            <p:ph type="sldImg" idx="2"/>
+          </p:nvPr>
+        </p:nvSpPr>
+        <p:spPr>
+          <a:xfrm>
+            <a:off x="685800" y="1143000"/>
+            <a:ext cx="5486400" cy="3086100"/>
+          </a:xfrm>
+          <a:prstGeom prst="rect">
+            <a:avLst/>
+          </a:prstGeom>
+          <a:noFill/>
+          <a:ln w="12700">
+            <a:solidFill>
+              <a:prstClr val="black"/>
+            </a:solidFill>
+          </a:ln>
+        </p:spPr>
+        <p:txBody>
+          <a:bodyPr vert="horz" lIns="91440" tIns="45720" rIns="91440" bIns="45720" rtlCol="0" anchor="ctr"/>
+          <a:lstStyle/>
+          <a:p>
+            <a:endParaRPr lang="en-DK"/>
+          </a:p>
+        </p:txBody>
+      </p:sp>
+      <p:sp>
+        <p:nvSpPr>
+          <p:cNvPr id="5" name="Notes Placeholder 4"/>
+          <p:cNvSpPr>
+            <a:spLocks noGrp="1"/>
+          </p:cNvSpPr>
+          <p:nvPr>
+            <p:ph type="body" sz="quarter" idx="3"/>
+          </p:nvPr>
+        </p:nvSpPr>
+        <p:spPr>
+          <a:xfrm>
+            <a:off x="685800" y="4400550"/>
+            <a:ext cx="5486400" cy="3600450"/>
+          </a:xfrm>
+          <a:prstGeom prst="rect">
+            <a:avLst/>
+          </a:prstGeom>
+        </p:spPr>
+        <p:txBody>
+          <a:bodyPr vert="horz" lIns="91440" tIns="45720" rIns="91440" bIns="45720" rtlCol="0"/>
+          <a:lstStyle/>
+          <a:p>
+            <a:pPr lvl="0"/>
+            <a:r>
+              <a:rPr lang="en-US"/>
+              <a:t>Click to edit Master text styles</a:t>
+            </a:r>
+          </a:p>
+          <a:p>
+            <a:pPr lvl="1"/>
+            <a:r>
+              <a:rPr lang="en-US"/>
+              <a:t>Second level</a:t>
+            </a:r>
+          </a:p>
+          <a:p>
+            <a:pPr lvl="2"/>
+            <a:r>
+              <a:rPr lang="en-US"/>
+              <a:t>Third level</a:t>
+            </a:r>
+          </a:p>
+          <a:p>
+            <a:pPr lvl="3"/>
+            <a:r>
+              <a:rPr lang="en-US"/>
+              <a:t>Fourth level</a:t>
+            </a:r>
+          </a:p>
+          <a:p>
+            <a:pPr lvl="4"/>
+            <a:r>
+              <a:rPr lang="en-US"/>
+              <a:t>Fifth level</a:t>
+            </a:r>
+            <a:endParaRPr lang="en-DK"/>
+          </a:p>
+        </p:txBody>
+      </p:sp>
+      <p:sp>
+        <p:nvSpPr>
+          <p:cNvPr id="6" name="Footer Placeholder 5"/>
+          <p:cNvSpPr>
+            <a:spLocks noGrp="1"/>
+          </p:cNvSpPr>
+          <p:nvPr>
+            <p:ph type="ftr" sz="quarter" idx="4"/>
+          </p:nvPr>
+        </p:nvSpPr>
+        <p:spPr>
+          <a:xfrm>
+            <a:off x="0" y="8685213"/>
+            <a:ext cx="2971800" cy="458787"/>
+          </a:xfrm>
+          <a:prstGeom prst="rect">
+            <a:avLst/>
+          </a:prstGeom>
+        </p:spPr>
+        <p:txBody>
+          <a:bodyPr vert="horz" lIns="91440" tIns="45720" rIns="91440" bIns="45720" rtlCol="0" anchor="b"/>
+          <a:lstStyle>
+            <a:lvl1pPr algn="l">
+              <a:defRPr sz="1200"/>
+            </a:lvl1pPr>
+          </a:lstStyle>
+          <a:p>
+            <a:endParaRPr lang="en-DK"/>
+          </a:p>
+        </p:txBody>
+      </p:sp>
+      <p:sp>
+        <p:nvSpPr>
+          <p:cNvPr id="7" name="Slide Number Placeholder 6"/>
+          <p:cNvSpPr>
+            <a:spLocks noGrp="1"/>
+          </p:cNvSpPr>
+          <p:nvPr>
+            <p:ph type="sldNum" sz="quarter" idx="5"/>
+          </p:nvPr>
+        </p:nvSpPr>
+        <p:spPr>
+          <a:xfrm>
+            <a:off x="3884613" y="8685213"/>
+            <a:ext cx="2971800" cy="458787"/>
+          </a:xfrm>
+          <a:prstGeom prst="rect">
+            <a:avLst/>
+          </a:prstGeom>
+        </p:spPr>
+        <p:txBody>
+          <a:bodyPr vert="horz" lIns="91440" tIns="45720" rIns="91440" bIns="45720" rtlCol="0" anchor="b"/>
+          <a:lstStyle>
+            <a:lvl1pPr algn="r">
+              <a:defRPr sz="1200"/>
+            </a:lvl1pPr>
+          </a:lstStyle>
+          <a:p>
+            <a:fld id="{CD51514B-D2AA-4B1B-BDA5-D869CB35A94F}" type="slidenum">
+              <a:rPr lang="en-DK" smtClean="0"/>
+              <a:t>‹#›</a:t>
+            </a:fld>
+            <a:endParaRPr lang="en-DK"/>
+          </a:p>
+        </p:txBody>
+      </p:sp>
+    </p:spTree>
+    <p:extLst>
+      <p:ext uri="{BB962C8B-B14F-4D97-AF65-F5344CB8AC3E}">
+        <p14:creationId xmlns:p14="http://schemas.microsoft.com/office/powerpoint/2010/main" val="3845904089"/>
+      </p:ext>
+    </p:extLst>
+  </p:cSld>
+  <p:clrMap bg1="lt1" tx1="dk1" bg2="lt2" tx2="dk2" accent1="accent1" accent2="accent2" accent3="accent3" accent4="accent4" accent5="accent5" accent6="accent6" hlink="hlink" folHlink="folHlink"/>
+  <p:notesStyle>
+    <a:lvl1pPr marL="0" algn="l" defTabSz="914400" rtl="0" eaLnBrk="1" latinLnBrk="0" hangingPunct="1">
+      <a:defRPr sz="1200" kern="1200">
+        <a:solidFill>
+          <a:schemeClr val="tx1"/>
+        </a:solidFill>
+        <a:latin typeface="+mn-lt"/>
+        <a:ea typeface="+mn-ea"/>
+        <a:cs typeface="+mn-cs"/>
+      </a:defRPr>
+    </a:lvl1pPr>
+    <a:lvl2pPr marL="457200" algn="l" defTabSz="914400" rtl="0" eaLnBrk="1" latinLnBrk="0" hangingPunct="1">
+      <a:defRPr sz="1200" kern="1200">
+        <a:solidFill>
+          <a:schemeClr val="tx1"/>
+        </a:solidFill>
+        <a:latin typeface="+mn-lt"/>
+        <a:ea typeface="+mn-ea"/>
+        <a:cs typeface="+mn-cs"/>
+      </a:defRPr>
+    </a:lvl2pPr>
+    <a:lvl3pPr marL="914400" algn="l" defTabSz="914400" rtl="0" eaLnBrk="1" latinLnBrk="0" hangingPunct="1">
+      <a:defRPr sz="1200" kern="1200">
+        <a:solidFill>
+          <a:schemeClr val="tx1"/>
+        </a:solidFill>
+        <a:latin typeface="+mn-lt"/>
+        <a:ea typeface="+mn-ea"/>
+        <a:cs typeface="+mn-cs"/>
+      </a:defRPr>
+    </a:lvl3pPr>
+    <a:lvl4pPr marL="1371600" algn="l" defTabSz="914400" rtl="0" eaLnBrk="1" latinLnBrk="0" hangingPunct="1">
+      <a:defRPr sz="1200" kern="1200">
+        <a:solidFill>
+          <a:schemeClr val="tx1"/>
+        </a:solidFill>
+        <a:latin typeface="+mn-lt"/>
+        <a:ea typeface="+mn-ea"/>
+        <a:cs typeface="+mn-cs"/>
+      </a:defRPr>
+    </a:lvl4pPr>
+    <a:lvl5pPr marL="1828800" algn="l" defTabSz="914400" rtl="0" eaLnBrk="1" latinLnBrk="0" hangingPunct="1">
+      <a:defRPr sz="1200" kern="1200">
+        <a:solidFill>
+          <a:schemeClr val="tx1"/>
+        </a:solidFill>
+        <a:latin typeface="+mn-lt"/>
+        <a:ea typeface="+mn-ea"/>
+        <a:cs typeface="+mn-cs"/>
+      </a:defRPr>
+    </a:lvl5pPr>
+    <a:lvl6pPr marL="2286000" algn="l" defTabSz="914400" rtl="0" eaLnBrk="1" latinLnBrk="0" hangingPunct="1">
+      <a:defRPr sz="1200" kern="1200">
+        <a:solidFill>
+          <a:schemeClr val="tx1"/>
+        </a:solidFill>
+        <a:latin typeface="+mn-lt"/>
+        <a:ea typeface="+mn-ea"/>
+        <a:cs typeface="+mn-cs"/>
+      </a:defRPr>
+    </a:lvl6pPr>
+    <a:lvl7pPr marL="2743200" algn="l" defTabSz="914400" rtl="0" eaLnBrk="1" latinLnBrk="0" hangingPunct="1">
+      <a:defRPr sz="1200" kern="1200">
+        <a:solidFill>
+          <a:schemeClr val="tx1"/>
+        </a:solidFill>
+        <a:latin typeface="+mn-lt"/>
+        <a:ea typeface="+mn-ea"/>
+        <a:cs typeface="+mn-cs"/>
+      </a:defRPr>
+    </a:lvl7pPr>
+    <a:lvl8pPr marL="3200400" algn="l" defTabSz="914400" rtl="0" eaLnBrk="1" latinLnBrk="0" hangingPunct="1">
+      <a:defRPr sz="1200" kern="1200">
+        <a:solidFill>
+          <a:schemeClr val="tx1"/>
+        </a:solidFill>
+        <a:latin typeface="+mn-lt"/>
+        <a:ea typeface="+mn-ea"/>
+        <a:cs typeface="+mn-cs"/>
+      </a:defRPr>
+    </a:lvl8pPr>
+    <a:lvl9pPr marL="3657600" algn="l" defTabSz="914400" rtl="0" eaLnBrk="1" latinLnBrk="0" hangingPunct="1">
+      <a:defRPr sz="1200" kern="1200">
+        <a:solidFill>
+          <a:schemeClr val="tx1"/>
+        </a:solidFill>
+        <a:latin typeface="+mn-lt"/>
+        <a:ea typeface="+mn-ea"/>
+        <a:cs typeface="+mn-cs"/>
+      </a:defRPr>
+    </a:lvl9pPr>
+  </p:notesStyle>
+</p:notesMaster>
+</file>
+
+<file path=ppt/notesSlides/notesSlide1.xml><?xml version="1.0" encoding="utf-8"?>
+<p:notes xmlns:a="http://schemas.openxmlformats.org/drawingml/2006/main" xmlns:r="http://schemas.openxmlformats.org/officeDocument/2006/relationships" xmlns:p="http://schemas.openxmlformats.org/presentationml/2006/main">
+  <p:cSld>
+    <p:spTree>
+      <p:nvGrpSpPr>
+        <p:cNvPr id="1" name=""/>
+        <p:cNvGrpSpPr/>
+        <p:nvPr/>
+      </p:nvGrpSpPr>
+      <p:grpSpPr>
+        <a:xfrm>
+          <a:off x="0" y="0"/>
+          <a:ext cx="0" cy="0"/>
+          <a:chOff x="0" y="0"/>
+          <a:chExt cx="0" cy="0"/>
+        </a:xfrm>
+      </p:grpSpPr>
+      <p:sp>
+        <p:nvSpPr>
+          <p:cNvPr id="2" name="Slide Image Placeholder 1"/>
+          <p:cNvSpPr>
+            <a:spLocks noGrp="1" noRot="1" noChangeAspect="1"/>
+          </p:cNvSpPr>
+          <p:nvPr>
+            <p:ph type="sldImg"/>
+          </p:nvPr>
+        </p:nvSpPr>
+        <p:spPr/>
+      </p:sp>
+      <p:sp>
+        <p:nvSpPr>
+          <p:cNvPr id="3" name="Notes Placeholder 2"/>
+          <p:cNvSpPr>
+            <a:spLocks noGrp="1"/>
+          </p:cNvSpPr>
+          <p:nvPr>
+            <p:ph type="body" idx="1"/>
+          </p:nvPr>
+        </p:nvSpPr>
+        <p:spPr/>
+        <p:txBody>
+          <a:bodyPr/>
+          <a:lstStyle/>
+          <a:p>
+            <a:endParaRPr lang="en-DK" dirty="0"/>
+          </a:p>
+        </p:txBody>
+      </p:sp>
+      <p:sp>
+        <p:nvSpPr>
+          <p:cNvPr id="4" name="Slide Number Placeholder 3"/>
+          <p:cNvSpPr>
+            <a:spLocks noGrp="1"/>
+          </p:cNvSpPr>
+          <p:nvPr>
+            <p:ph type="sldNum" sz="quarter" idx="5"/>
+          </p:nvPr>
+        </p:nvSpPr>
+        <p:spPr/>
+        <p:txBody>
+          <a:bodyPr/>
+          <a:lstStyle/>
+          <a:p>
+            <a:fld id="{CD51514B-D2AA-4B1B-BDA5-D869CB35A94F}" type="slidenum">
+              <a:rPr lang="en-DK" smtClean="0"/>
+              <a:t>8</a:t>
+            </a:fld>
+            <a:endParaRPr lang="en-DK"/>
+          </a:p>
+        </p:txBody>
+      </p:sp>
+    </p:spTree>
+    <p:extLst>
+      <p:ext uri="{BB962C8B-B14F-4D97-AF65-F5344CB8AC3E}">
+        <p14:creationId xmlns:p14="http://schemas.microsoft.com/office/powerpoint/2010/main" val="2484516911"/>
+      </p:ext>
+    </p:extLst>
+  </p:cSld>
+  <p:clrMapOvr>
+    <a:masterClrMapping/>
+  </p:clrMapOvr>
+</p:notes>
+</file>
+
 <file path=ppt/slideLayouts/slideLayout1.xml><?xml version="1.0" encoding="utf-8"?>
 <p:sldLayout xmlns:a="http://schemas.openxmlformats.org/drawingml/2006/main" xmlns:r="http://schemas.openxmlformats.org/officeDocument/2006/relationships" xmlns:p="http://schemas.openxmlformats.org/presentationml/2006/main" type="title" preserve="1">
   <p:cSld name="Title Slide">
@@ -278,7 +713,7 @@
           <a:p>
             <a:fld id="{5F631B7A-3D04-4105-84CB-D83B18A8B729}" type="datetimeFigureOut">
               <a:rPr lang="en-DK" smtClean="0"/>
-              <a:t>20/01/2025</a:t>
+              <a:t>27/01/2025</a:t>
             </a:fld>
             <a:endParaRPr lang="en-DK" dirty="0"/>
           </a:p>
@@ -478,7 +913,7 @@
           <a:p>
             <a:fld id="{5F631B7A-3D04-4105-84CB-D83B18A8B729}" type="datetimeFigureOut">
               <a:rPr lang="en-DK" smtClean="0"/>
-              <a:t>20/01/2025</a:t>
+              <a:t>27/01/2025</a:t>
             </a:fld>
             <a:endParaRPr lang="en-DK" dirty="0"/>
           </a:p>
@@ -688,7 +1123,7 @@
           <a:p>
             <a:fld id="{5F631B7A-3D04-4105-84CB-D83B18A8B729}" type="datetimeFigureOut">
               <a:rPr lang="en-DK" smtClean="0"/>
-              <a:t>20/01/2025</a:t>
+              <a:t>27/01/2025</a:t>
             </a:fld>
             <a:endParaRPr lang="en-DK" dirty="0"/>
           </a:p>
@@ -888,7 +1323,7 @@
           <a:p>
             <a:fld id="{5F631B7A-3D04-4105-84CB-D83B18A8B729}" type="datetimeFigureOut">
               <a:rPr lang="en-DK" smtClean="0"/>
-              <a:t>20/01/2025</a:t>
+              <a:t>27/01/2025</a:t>
             </a:fld>
             <a:endParaRPr lang="en-DK" dirty="0"/>
           </a:p>
@@ -1164,7 +1599,7 @@
           <a:p>
             <a:fld id="{5F631B7A-3D04-4105-84CB-D83B18A8B729}" type="datetimeFigureOut">
               <a:rPr lang="en-DK" smtClean="0"/>
-              <a:t>20/01/2025</a:t>
+              <a:t>27/01/2025</a:t>
             </a:fld>
             <a:endParaRPr lang="en-DK" dirty="0"/>
           </a:p>
@@ -1432,7 +1867,7 @@
           <a:p>
             <a:fld id="{5F631B7A-3D04-4105-84CB-D83B18A8B729}" type="datetimeFigureOut">
               <a:rPr lang="en-DK" smtClean="0"/>
-              <a:t>20/01/2025</a:t>
+              <a:t>27/01/2025</a:t>
             </a:fld>
             <a:endParaRPr lang="en-DK" dirty="0"/>
           </a:p>
@@ -1847,7 +2282,7 @@
           <a:p>
             <a:fld id="{5F631B7A-3D04-4105-84CB-D83B18A8B729}" type="datetimeFigureOut">
               <a:rPr lang="en-DK" smtClean="0"/>
-              <a:t>20/01/2025</a:t>
+              <a:t>27/01/2025</a:t>
             </a:fld>
             <a:endParaRPr lang="en-DK" dirty="0"/>
           </a:p>
@@ -1989,7 +2424,7 @@
           <a:p>
             <a:fld id="{5F631B7A-3D04-4105-84CB-D83B18A8B729}" type="datetimeFigureOut">
               <a:rPr lang="en-DK" smtClean="0"/>
-              <a:t>20/01/2025</a:t>
+              <a:t>27/01/2025</a:t>
             </a:fld>
             <a:endParaRPr lang="en-DK" dirty="0"/>
           </a:p>
@@ -2102,7 +2537,7 @@
           <a:p>
             <a:fld id="{5F631B7A-3D04-4105-84CB-D83B18A8B729}" type="datetimeFigureOut">
               <a:rPr lang="en-DK" smtClean="0"/>
-              <a:t>20/01/2025</a:t>
+              <a:t>27/01/2025</a:t>
             </a:fld>
             <a:endParaRPr lang="en-DK" dirty="0"/>
           </a:p>
@@ -2415,7 +2850,7 @@
           <a:p>
             <a:fld id="{5F631B7A-3D04-4105-84CB-D83B18A8B729}" type="datetimeFigureOut">
               <a:rPr lang="en-DK" smtClean="0"/>
-              <a:t>20/01/2025</a:t>
+              <a:t>27/01/2025</a:t>
             </a:fld>
             <a:endParaRPr lang="en-DK" dirty="0"/>
           </a:p>
@@ -2704,7 +3139,7 @@
           <a:p>
             <a:fld id="{5F631B7A-3D04-4105-84CB-D83B18A8B729}" type="datetimeFigureOut">
               <a:rPr lang="en-DK" smtClean="0"/>
-              <a:t>20/01/2025</a:t>
+              <a:t>27/01/2025</a:t>
             </a:fld>
             <a:endParaRPr lang="en-DK" dirty="0"/>
           </a:p>
@@ -2947,7 +3382,7 @@
           <a:p>
             <a:fld id="{5F631B7A-3D04-4105-84CB-D83B18A8B729}" type="datetimeFigureOut">
               <a:rPr lang="en-DK" smtClean="0"/>
-              <a:t>20/01/2025</a:t>
+              <a:t>27/01/2025</a:t>
             </a:fld>
             <a:endParaRPr lang="en-DK" dirty="0"/>
           </a:p>
@@ -3574,502 +4009,6 @@
 </p:sld>
 </file>
 
-<file path=ppt/slides/slide10.xml><?xml version="1.0" encoding="utf-8"?>
-<p:sld xmlns:a="http://schemas.openxmlformats.org/drawingml/2006/main" xmlns:r="http://schemas.openxmlformats.org/officeDocument/2006/relationships" xmlns:p="http://schemas.openxmlformats.org/presentationml/2006/main">
-  <p:cSld>
-    <p:bg>
-      <p:bgPr>
-        <a:blipFill dpi="0" rotWithShape="1">
-          <a:blip r:embed="rId2">
-            <a:extLst>
-              <a:ext uri="{BEBA8EAE-BF5A-486C-A8C5-ECC9F3942E4B}">
-                <a14:imgProps xmlns:a14="http://schemas.microsoft.com/office/drawing/2010/main">
-                  <a14:imgLayer r:embed="rId3">
-                    <a14:imgEffect>
-                      <a14:saturation sat="0"/>
-                    </a14:imgEffect>
-                    <a14:imgEffect>
-                      <a14:brightnessContrast bright="-40000" contrast="-40000"/>
-                    </a14:imgEffect>
-                  </a14:imgLayer>
-                </a14:imgProps>
-              </a:ext>
-            </a:extLst>
-          </a:blip>
-          <a:srcRect/>
-          <a:stretch>
-            <a:fillRect/>
-          </a:stretch>
-        </a:blipFill>
-        <a:effectLst/>
-      </p:bgPr>
-    </p:bg>
-    <p:spTree>
-      <p:nvGrpSpPr>
-        <p:cNvPr id="1" name="">
-          <a:extLst>
-            <a:ext uri="{FF2B5EF4-FFF2-40B4-BE49-F238E27FC236}">
-              <a16:creationId xmlns:a16="http://schemas.microsoft.com/office/drawing/2014/main" id="{CF8C0D32-2D93-09BC-109D-DBBF1E2C6111}"/>
-            </a:ext>
-          </a:extLst>
-        </p:cNvPr>
-        <p:cNvGrpSpPr/>
-        <p:nvPr/>
-      </p:nvGrpSpPr>
-      <p:grpSpPr>
-        <a:xfrm>
-          <a:off x="0" y="0"/>
-          <a:ext cx="0" cy="0"/>
-          <a:chOff x="0" y="0"/>
-          <a:chExt cx="0" cy="0"/>
-        </a:xfrm>
-      </p:grpSpPr>
-      <p:sp>
-        <p:nvSpPr>
-          <p:cNvPr id="6" name="Rectangle 5">
-            <a:extLst>
-              <a:ext uri="{FF2B5EF4-FFF2-40B4-BE49-F238E27FC236}">
-                <a16:creationId xmlns:a16="http://schemas.microsoft.com/office/drawing/2014/main" id="{50F22C46-C156-5124-37FA-DBCBEE5341E7}"/>
-              </a:ext>
-            </a:extLst>
-          </p:cNvPr>
-          <p:cNvSpPr/>
-          <p:nvPr/>
-        </p:nvSpPr>
-        <p:spPr>
-          <a:xfrm>
-            <a:off x="-1" y="0"/>
-            <a:ext cx="12192000" cy="6906450"/>
-          </a:xfrm>
-          <a:prstGeom prst="rect">
-            <a:avLst/>
-          </a:prstGeom>
-          <a:solidFill>
-            <a:srgbClr val="000000">
-              <a:alpha val="63922"/>
-            </a:srgbClr>
-          </a:solidFill>
-          <a:ln>
-            <a:noFill/>
-          </a:ln>
-        </p:spPr>
-        <p:style>
-          <a:lnRef idx="2">
-            <a:schemeClr val="dk1">
-              <a:shade val="15000"/>
-            </a:schemeClr>
-          </a:lnRef>
-          <a:fillRef idx="1">
-            <a:schemeClr val="dk1"/>
-          </a:fillRef>
-          <a:effectRef idx="0">
-            <a:schemeClr val="dk1"/>
-          </a:effectRef>
-          <a:fontRef idx="minor">
-            <a:schemeClr val="lt1"/>
-          </a:fontRef>
-        </p:style>
-        <p:txBody>
-          <a:bodyPr rtlCol="0" anchor="ctr"/>
-          <a:lstStyle/>
-          <a:p>
-            <a:pPr algn="ctr"/>
-            <a:endParaRPr lang="en-DK" dirty="0"/>
-          </a:p>
-        </p:txBody>
-      </p:sp>
-      <p:sp>
-        <p:nvSpPr>
-          <p:cNvPr id="2" name="Title 1">
-            <a:extLst>
-              <a:ext uri="{FF2B5EF4-FFF2-40B4-BE49-F238E27FC236}">
-                <a16:creationId xmlns:a16="http://schemas.microsoft.com/office/drawing/2014/main" id="{32C7EB5E-F6A1-5669-AD3D-5E00654E7357}"/>
-              </a:ext>
-            </a:extLst>
-          </p:cNvPr>
-          <p:cNvSpPr>
-            <a:spLocks noGrp="1"/>
-          </p:cNvSpPr>
-          <p:nvPr>
-            <p:ph type="ctrTitle"/>
-          </p:nvPr>
-        </p:nvSpPr>
-        <p:spPr>
-          <a:xfrm>
-            <a:off x="3956767" y="1267613"/>
-            <a:ext cx="4278468" cy="318707"/>
-          </a:xfrm>
-        </p:spPr>
-        <p:txBody>
-          <a:bodyPr>
-            <a:normAutofit fontScale="90000"/>
-          </a:bodyPr>
-          <a:lstStyle/>
-          <a:p>
-            <a:r>
-              <a:rPr lang="en-US" sz="1800" dirty="0">
-                <a:solidFill>
-                  <a:schemeClr val="bg1"/>
-                </a:solidFill>
-              </a:rPr>
-              <a:t>SEMESTER PROJEKT</a:t>
-            </a:r>
-            <a:endParaRPr lang="en-DK" dirty="0">
-              <a:solidFill>
-                <a:schemeClr val="bg1"/>
-              </a:solidFill>
-            </a:endParaRPr>
-          </a:p>
-        </p:txBody>
-      </p:sp>
-      <p:sp>
-        <p:nvSpPr>
-          <p:cNvPr id="4" name="Title 1">
-            <a:extLst>
-              <a:ext uri="{FF2B5EF4-FFF2-40B4-BE49-F238E27FC236}">
-                <a16:creationId xmlns:a16="http://schemas.microsoft.com/office/drawing/2014/main" id="{82E86930-7133-CCA6-0DE9-8FF50DFF6B50}"/>
-              </a:ext>
-            </a:extLst>
-          </p:cNvPr>
-          <p:cNvSpPr txBox="1">
-            <a:spLocks/>
-          </p:cNvSpPr>
-          <p:nvPr/>
-        </p:nvSpPr>
-        <p:spPr>
-          <a:xfrm>
-            <a:off x="4007057" y="48450"/>
-            <a:ext cx="4177885" cy="1103771"/>
-          </a:xfrm>
-          <a:prstGeom prst="rect">
-            <a:avLst/>
-          </a:prstGeom>
-        </p:spPr>
-        <p:txBody>
-          <a:bodyPr vert="horz" lIns="91440" tIns="45720" rIns="91440" bIns="45720" rtlCol="0" anchor="b">
-            <a:noAutofit/>
-          </a:bodyPr>
-          <a:lstStyle>
-            <a:lvl1pPr algn="ctr" defTabSz="914400" rtl="0" eaLnBrk="1" latinLnBrk="0" hangingPunct="1">
-              <a:lnSpc>
-                <a:spcPct val="90000"/>
-              </a:lnSpc>
-              <a:spcBef>
-                <a:spcPct val="0"/>
-              </a:spcBef>
-              <a:buNone/>
-              <a:defRPr sz="6000" kern="1200">
-                <a:solidFill>
-                  <a:schemeClr val="tx1"/>
-                </a:solidFill>
-                <a:latin typeface="+mj-lt"/>
-                <a:ea typeface="+mj-ea"/>
-                <a:cs typeface="+mj-cs"/>
-              </a:defRPr>
-            </a:lvl1pPr>
-          </a:lstStyle>
-          <a:p>
-            <a:br>
-              <a:rPr lang="en-DK" sz="1800" dirty="0">
-                <a:solidFill>
-                  <a:srgbClr val="000000"/>
-                </a:solidFill>
-                <a:latin typeface="Calibri" panose="020F0502020204030204" pitchFamily="34" charset="0"/>
-              </a:rPr>
-            </a:br>
-            <a:r>
-              <a:rPr lang="nb-NO" sz="3600" b="1" dirty="0">
-                <a:solidFill>
-                  <a:schemeClr val="bg1"/>
-                </a:solidFill>
-                <a:latin typeface="Calibri" panose="020F0502020204030204" pitchFamily="34" charset="0"/>
-              </a:rPr>
-              <a:t>STATIONÆR VERDEN</a:t>
-            </a:r>
-            <a:endParaRPr lang="en-DK" sz="3600" dirty="0">
-              <a:solidFill>
-                <a:schemeClr val="bg1"/>
-              </a:solidFill>
-            </a:endParaRPr>
-          </a:p>
-        </p:txBody>
-      </p:sp>
-      <p:sp>
-        <p:nvSpPr>
-          <p:cNvPr id="5" name="Rectangle 4">
-            <a:extLst>
-              <a:ext uri="{FF2B5EF4-FFF2-40B4-BE49-F238E27FC236}">
-                <a16:creationId xmlns:a16="http://schemas.microsoft.com/office/drawing/2014/main" id="{7996B23E-E1EC-A772-DC69-536186FDE8D4}"/>
-              </a:ext>
-            </a:extLst>
-          </p:cNvPr>
-          <p:cNvSpPr/>
-          <p:nvPr/>
-        </p:nvSpPr>
-        <p:spPr>
-          <a:xfrm>
-            <a:off x="5485892" y="1642148"/>
-            <a:ext cx="1220217" cy="56546"/>
-          </a:xfrm>
-          <a:prstGeom prst="rect">
-            <a:avLst/>
-          </a:prstGeom>
-          <a:solidFill>
-            <a:schemeClr val="accent1"/>
-          </a:solidFill>
-          <a:ln>
-            <a:noFill/>
-          </a:ln>
-        </p:spPr>
-        <p:style>
-          <a:lnRef idx="2">
-            <a:schemeClr val="accent1">
-              <a:shade val="15000"/>
-            </a:schemeClr>
-          </a:lnRef>
-          <a:fillRef idx="1">
-            <a:schemeClr val="accent1"/>
-          </a:fillRef>
-          <a:effectRef idx="0">
-            <a:schemeClr val="accent1"/>
-          </a:effectRef>
-          <a:fontRef idx="minor">
-            <a:schemeClr val="lt1"/>
-          </a:fontRef>
-        </p:style>
-        <p:txBody>
-          <a:bodyPr rtlCol="0" anchor="ctr"/>
-          <a:lstStyle/>
-          <a:p>
-            <a:pPr algn="ctr"/>
-            <a:endParaRPr lang="en-DK" dirty="0"/>
-          </a:p>
-        </p:txBody>
-      </p:sp>
-      <p:pic>
-        <p:nvPicPr>
-          <p:cNvPr id="9" name="Picture 8">
-            <a:extLst>
-              <a:ext uri="{FF2B5EF4-FFF2-40B4-BE49-F238E27FC236}">
-                <a16:creationId xmlns:a16="http://schemas.microsoft.com/office/drawing/2014/main" id="{A8CCFB74-4986-3C8A-622D-00556CF80A28}"/>
-              </a:ext>
-            </a:extLst>
-          </p:cNvPr>
-          <p:cNvPicPr>
-            <a:picLocks noChangeAspect="1"/>
-          </p:cNvPicPr>
-          <p:nvPr/>
-        </p:nvPicPr>
-        <p:blipFill>
-          <a:blip r:embed="rId4"/>
-          <a:stretch>
-            <a:fillRect/>
-          </a:stretch>
-        </p:blipFill>
-        <p:spPr>
-          <a:xfrm>
-            <a:off x="235900" y="1932077"/>
-            <a:ext cx="5479563" cy="2687703"/>
-          </a:xfrm>
-          <a:prstGeom prst="rect">
-            <a:avLst/>
-          </a:prstGeom>
-        </p:spPr>
-      </p:pic>
-      <p:pic>
-        <p:nvPicPr>
-          <p:cNvPr id="11" name="Picture 10">
-            <a:extLst>
-              <a:ext uri="{FF2B5EF4-FFF2-40B4-BE49-F238E27FC236}">
-                <a16:creationId xmlns:a16="http://schemas.microsoft.com/office/drawing/2014/main" id="{A355B0D0-CC8C-6EFF-AEB5-92703418E8CA}"/>
-              </a:ext>
-            </a:extLst>
-          </p:cNvPr>
-          <p:cNvPicPr>
-            <a:picLocks noChangeAspect="1"/>
-          </p:cNvPicPr>
-          <p:nvPr/>
-        </p:nvPicPr>
-        <p:blipFill>
-          <a:blip r:embed="rId5"/>
-          <a:stretch>
-            <a:fillRect/>
-          </a:stretch>
-        </p:blipFill>
-        <p:spPr>
-          <a:xfrm>
-            <a:off x="6412529" y="1894883"/>
-            <a:ext cx="5543571" cy="2746617"/>
-          </a:xfrm>
-          <a:prstGeom prst="rect">
-            <a:avLst/>
-          </a:prstGeom>
-        </p:spPr>
-      </p:pic>
-      <p:pic>
-        <p:nvPicPr>
-          <p:cNvPr id="14" name="Picture 13">
-            <a:extLst>
-              <a:ext uri="{FF2B5EF4-FFF2-40B4-BE49-F238E27FC236}">
-                <a16:creationId xmlns:a16="http://schemas.microsoft.com/office/drawing/2014/main" id="{9511D56B-53A3-8F3D-B149-6F4892DCAC64}"/>
-              </a:ext>
-            </a:extLst>
-          </p:cNvPr>
-          <p:cNvPicPr>
-            <a:picLocks noChangeAspect="1"/>
-          </p:cNvPicPr>
-          <p:nvPr/>
-        </p:nvPicPr>
-        <p:blipFill>
-          <a:blip r:embed="rId6"/>
-          <a:stretch>
-            <a:fillRect/>
-          </a:stretch>
-        </p:blipFill>
-        <p:spPr>
-          <a:xfrm>
-            <a:off x="2997705" y="3630771"/>
-            <a:ext cx="6196589" cy="3053144"/>
-          </a:xfrm>
-          <a:prstGeom prst="rect">
-            <a:avLst/>
-          </a:prstGeom>
-        </p:spPr>
-      </p:pic>
-    </p:spTree>
-    <p:extLst>
-      <p:ext uri="{BB962C8B-B14F-4D97-AF65-F5344CB8AC3E}">
-        <p14:creationId xmlns:p14="http://schemas.microsoft.com/office/powerpoint/2010/main" val="937918966"/>
-      </p:ext>
-    </p:extLst>
-  </p:cSld>
-  <p:clrMapOvr>
-    <a:masterClrMapping/>
-  </p:clrMapOvr>
-  <p:timing>
-    <p:tnLst>
-      <p:par>
-        <p:cTn id="1" dur="indefinite" restart="never" nodeType="tmRoot">
-          <p:childTnLst>
-            <p:seq concurrent="1" nextAc="seek">
-              <p:cTn id="2" dur="indefinite" nodeType="mainSeq">
-                <p:childTnLst>
-                  <p:par>
-                    <p:cTn id="3" fill="hold">
-                      <p:stCondLst>
-                        <p:cond delay="indefinite"/>
-                      </p:stCondLst>
-                      <p:childTnLst>
-                        <p:par>
-                          <p:cTn id="4" fill="hold">
-                            <p:stCondLst>
-                              <p:cond delay="0"/>
-                            </p:stCondLst>
-                            <p:childTnLst>
-                              <p:par>
-                                <p:cTn id="5" presetID="2" presetClass="entr" presetSubtype="4" fill="hold" nodeType="clickEffect">
-                                  <p:stCondLst>
-                                    <p:cond delay="0"/>
-                                  </p:stCondLst>
-                                  <p:childTnLst>
-                                    <p:set>
-                                      <p:cBhvr>
-                                        <p:cTn id="6" dur="1" fill="hold">
-                                          <p:stCondLst>
-                                            <p:cond delay="0"/>
-                                          </p:stCondLst>
-                                        </p:cTn>
-                                        <p:tgtEl>
-                                          <p:spTgt spid="14"/>
-                                        </p:tgtEl>
-                                        <p:attrNameLst>
-                                          <p:attrName>style.visibility</p:attrName>
-                                        </p:attrNameLst>
-                                      </p:cBhvr>
-                                      <p:to>
-                                        <p:strVal val="visible"/>
-                                      </p:to>
-                                    </p:set>
-                                    <p:anim calcmode="lin" valueType="num">
-                                      <p:cBhvr additive="base">
-                                        <p:cTn id="7" dur="500" fill="hold"/>
-                                        <p:tgtEl>
-                                          <p:spTgt spid="14"/>
-                                        </p:tgtEl>
-                                        <p:attrNameLst>
-                                          <p:attrName>ppt_x</p:attrName>
-                                        </p:attrNameLst>
-                                      </p:cBhvr>
-                                      <p:tavLst>
-                                        <p:tav tm="0">
-                                          <p:val>
-                                            <p:strVal val="#ppt_x"/>
-                                          </p:val>
-                                        </p:tav>
-                                        <p:tav tm="100000">
-                                          <p:val>
-                                            <p:strVal val="#ppt_x"/>
-                                          </p:val>
-                                        </p:tav>
-                                      </p:tavLst>
-                                    </p:anim>
-                                    <p:anim calcmode="lin" valueType="num">
-                                      <p:cBhvr additive="base">
-                                        <p:cTn id="8" dur="500" fill="hold"/>
-                                        <p:tgtEl>
-                                          <p:spTgt spid="14"/>
-                                        </p:tgtEl>
-                                        <p:attrNameLst>
-                                          <p:attrName>ppt_y</p:attrName>
-                                        </p:attrNameLst>
-                                      </p:cBhvr>
-                                      <p:tavLst>
-                                        <p:tav tm="0">
-                                          <p:val>
-                                            <p:strVal val="1+#ppt_h/2"/>
-                                          </p:val>
-                                        </p:tav>
-                                        <p:tav tm="100000">
-                                          <p:val>
-                                            <p:strVal val="#ppt_y"/>
-                                          </p:val>
-                                        </p:tav>
-                                      </p:tavLst>
-                                    </p:anim>
-                                  </p:childTnLst>
-                                </p:cTn>
-                              </p:par>
-                            </p:childTnLst>
-                          </p:cTn>
-                        </p:par>
-                      </p:childTnLst>
-                    </p:cTn>
-                  </p:par>
-                </p:childTnLst>
-              </p:cTn>
-              <p:prevCondLst>
-                <p:cond evt="onPrev" delay="0">
-                  <p:tgtEl>
-                    <p:sldTgt/>
-                  </p:tgtEl>
-                </p:cond>
-              </p:prevCondLst>
-              <p:nextCondLst>
-                <p:cond evt="onNext" delay="0">
-                  <p:tgtEl>
-                    <p:sldTgt/>
-                  </p:tgtEl>
-                </p:cond>
-              </p:nextCondLst>
-            </p:seq>
-          </p:childTnLst>
-        </p:cTn>
-      </p:par>
-    </p:tnLst>
-  </p:timing>
-</p:sld>
-</file>
-
 <file path=ppt/slides/slide2.xml><?xml version="1.0" encoding="utf-8"?>
 <p:sld xmlns:a="http://schemas.openxmlformats.org/drawingml/2006/main" xmlns:r="http://schemas.openxmlformats.org/officeDocument/2006/relationships" xmlns:p="http://schemas.openxmlformats.org/presentationml/2006/main">
   <p:cSld>
@@ -6884,841 +6823,11 @@
     <p:bg>
       <p:bgPr>
         <a:blipFill dpi="0" rotWithShape="1">
-          <a:blip r:embed="rId2">
+          <a:blip r:embed="rId3">
             <a:extLst>
               <a:ext uri="{BEBA8EAE-BF5A-486C-A8C5-ECC9F3942E4B}">
                 <a14:imgProps xmlns:a14="http://schemas.microsoft.com/office/drawing/2010/main">
-                  <a14:imgLayer r:embed="rId3">
-                    <a14:imgEffect>
-                      <a14:saturation sat="0"/>
-                    </a14:imgEffect>
-                    <a14:imgEffect>
-                      <a14:brightnessContrast bright="-40000" contrast="-40000"/>
-                    </a14:imgEffect>
-                  </a14:imgLayer>
-                </a14:imgProps>
-              </a:ext>
-            </a:extLst>
-          </a:blip>
-          <a:srcRect/>
-          <a:stretch>
-            <a:fillRect/>
-          </a:stretch>
-        </a:blipFill>
-        <a:effectLst/>
-      </p:bgPr>
-    </p:bg>
-    <p:spTree>
-      <p:nvGrpSpPr>
-        <p:cNvPr id="1" name="">
-          <a:extLst>
-            <a:ext uri="{FF2B5EF4-FFF2-40B4-BE49-F238E27FC236}">
-              <a16:creationId xmlns:a16="http://schemas.microsoft.com/office/drawing/2014/main" id="{378E7987-1667-23C1-AC23-FE78C1FBDD1B}"/>
-            </a:ext>
-          </a:extLst>
-        </p:cNvPr>
-        <p:cNvGrpSpPr/>
-        <p:nvPr/>
-      </p:nvGrpSpPr>
-      <p:grpSpPr>
-        <a:xfrm>
-          <a:off x="0" y="0"/>
-          <a:ext cx="0" cy="0"/>
-          <a:chOff x="0" y="0"/>
-          <a:chExt cx="0" cy="0"/>
-        </a:xfrm>
-      </p:grpSpPr>
-      <p:sp>
-        <p:nvSpPr>
-          <p:cNvPr id="6" name="Rectangle 5">
-            <a:extLst>
-              <a:ext uri="{FF2B5EF4-FFF2-40B4-BE49-F238E27FC236}">
-                <a16:creationId xmlns:a16="http://schemas.microsoft.com/office/drawing/2014/main" id="{9A5E71B8-617D-8737-EAD7-6B47D33FA307}"/>
-              </a:ext>
-            </a:extLst>
-          </p:cNvPr>
-          <p:cNvSpPr/>
-          <p:nvPr/>
-        </p:nvSpPr>
-        <p:spPr>
-          <a:xfrm>
-            <a:off x="0" y="0"/>
-            <a:ext cx="6096000" cy="6858000"/>
-          </a:xfrm>
-          <a:prstGeom prst="rect">
-            <a:avLst/>
-          </a:prstGeom>
-          <a:ln>
-            <a:noFill/>
-          </a:ln>
-        </p:spPr>
-        <p:style>
-          <a:lnRef idx="2">
-            <a:schemeClr val="dk1">
-              <a:shade val="15000"/>
-            </a:schemeClr>
-          </a:lnRef>
-          <a:fillRef idx="1">
-            <a:schemeClr val="dk1"/>
-          </a:fillRef>
-          <a:effectRef idx="0">
-            <a:schemeClr val="dk1"/>
-          </a:effectRef>
-          <a:fontRef idx="minor">
-            <a:schemeClr val="lt1"/>
-          </a:fontRef>
-        </p:style>
-        <p:txBody>
-          <a:bodyPr rtlCol="0" anchor="ctr"/>
-          <a:lstStyle/>
-          <a:p>
-            <a:pPr algn="ctr"/>
-            <a:endParaRPr lang="en-DK" dirty="0"/>
-          </a:p>
-        </p:txBody>
-      </p:sp>
-      <p:sp>
-        <p:nvSpPr>
-          <p:cNvPr id="2" name="Title 1">
-            <a:extLst>
-              <a:ext uri="{FF2B5EF4-FFF2-40B4-BE49-F238E27FC236}">
-                <a16:creationId xmlns:a16="http://schemas.microsoft.com/office/drawing/2014/main" id="{41956F18-7B69-1891-3EAB-55975914A757}"/>
-              </a:ext>
-            </a:extLst>
-          </p:cNvPr>
-          <p:cNvSpPr>
-            <a:spLocks noGrp="1"/>
-          </p:cNvSpPr>
-          <p:nvPr>
-            <p:ph type="ctrTitle"/>
-          </p:nvPr>
-        </p:nvSpPr>
-        <p:spPr>
-          <a:xfrm>
-            <a:off x="1251343" y="2364221"/>
-            <a:ext cx="4278468" cy="318707"/>
-          </a:xfrm>
-        </p:spPr>
-        <p:txBody>
-          <a:bodyPr>
-            <a:normAutofit fontScale="90000"/>
-          </a:bodyPr>
-          <a:lstStyle/>
-          <a:p>
-            <a:pPr algn="r"/>
-            <a:r>
-              <a:rPr lang="en-US" sz="1800" dirty="0">
-                <a:solidFill>
-                  <a:schemeClr val="bg1"/>
-                </a:solidFill>
-              </a:rPr>
-              <a:t>MODEL</a:t>
-            </a:r>
-            <a:endParaRPr lang="en-DK" dirty="0">
-              <a:solidFill>
-                <a:schemeClr val="bg1"/>
-              </a:solidFill>
-            </a:endParaRPr>
-          </a:p>
-        </p:txBody>
-      </p:sp>
-      <p:sp>
-        <p:nvSpPr>
-          <p:cNvPr id="4" name="Title 1">
-            <a:extLst>
-              <a:ext uri="{FF2B5EF4-FFF2-40B4-BE49-F238E27FC236}">
-                <a16:creationId xmlns:a16="http://schemas.microsoft.com/office/drawing/2014/main" id="{02A07C2B-DA21-203A-F58C-A9F425BB722E}"/>
-              </a:ext>
-            </a:extLst>
-          </p:cNvPr>
-          <p:cNvSpPr txBox="1">
-            <a:spLocks/>
-          </p:cNvSpPr>
-          <p:nvPr/>
-        </p:nvSpPr>
-        <p:spPr>
-          <a:xfrm>
-            <a:off x="265176" y="1260450"/>
-            <a:ext cx="5264635" cy="1103771"/>
-          </a:xfrm>
-          <a:prstGeom prst="rect">
-            <a:avLst/>
-          </a:prstGeom>
-        </p:spPr>
-        <p:txBody>
-          <a:bodyPr vert="horz" lIns="91440" tIns="45720" rIns="91440" bIns="45720" rtlCol="0" anchor="b">
-            <a:noAutofit/>
-          </a:bodyPr>
-          <a:lstStyle>
-            <a:lvl1pPr algn="ctr" defTabSz="914400" rtl="0" eaLnBrk="1" latinLnBrk="0" hangingPunct="1">
-              <a:lnSpc>
-                <a:spcPct val="90000"/>
-              </a:lnSpc>
-              <a:spcBef>
-                <a:spcPct val="0"/>
-              </a:spcBef>
-              <a:buNone/>
-              <a:defRPr sz="6000" kern="1200">
-                <a:solidFill>
-                  <a:schemeClr val="tx1"/>
-                </a:solidFill>
-                <a:latin typeface="+mj-lt"/>
-                <a:ea typeface="+mj-ea"/>
-                <a:cs typeface="+mj-cs"/>
-              </a:defRPr>
-            </a:lvl1pPr>
-          </a:lstStyle>
-          <a:p>
-            <a:pPr algn="r"/>
-            <a:br>
-              <a:rPr lang="en-DK" sz="1800" dirty="0">
-                <a:solidFill>
-                  <a:srgbClr val="000000"/>
-                </a:solidFill>
-                <a:latin typeface="Calibri" panose="020F0502020204030204" pitchFamily="34" charset="0"/>
-              </a:rPr>
-            </a:br>
-            <a:r>
-              <a:rPr lang="nb-NO" sz="3600" b="1" dirty="0">
-                <a:solidFill>
-                  <a:schemeClr val="bg1"/>
-                </a:solidFill>
-                <a:latin typeface="Calibri" panose="020F0502020204030204" pitchFamily="34" charset="0"/>
-              </a:rPr>
-              <a:t>FOGGS FUNKTIONELLE TRIADE</a:t>
-            </a:r>
-            <a:endParaRPr lang="en-DK" sz="3600" dirty="0">
-              <a:solidFill>
-                <a:schemeClr val="bg1"/>
-              </a:solidFill>
-            </a:endParaRPr>
-          </a:p>
-        </p:txBody>
-      </p:sp>
-      <p:sp>
-        <p:nvSpPr>
-          <p:cNvPr id="5" name="Rectangle 4">
-            <a:extLst>
-              <a:ext uri="{FF2B5EF4-FFF2-40B4-BE49-F238E27FC236}">
-                <a16:creationId xmlns:a16="http://schemas.microsoft.com/office/drawing/2014/main" id="{09B52463-30C0-1774-E902-D65825C677A0}"/>
-              </a:ext>
-            </a:extLst>
-          </p:cNvPr>
-          <p:cNvSpPr/>
-          <p:nvPr/>
-        </p:nvSpPr>
-        <p:spPr>
-          <a:xfrm>
-            <a:off x="4207163" y="2711201"/>
-            <a:ext cx="1220217" cy="56546"/>
-          </a:xfrm>
-          <a:prstGeom prst="rect">
-            <a:avLst/>
-          </a:prstGeom>
-          <a:solidFill>
-            <a:schemeClr val="accent1"/>
-          </a:solidFill>
-          <a:ln>
-            <a:noFill/>
-          </a:ln>
-        </p:spPr>
-        <p:style>
-          <a:lnRef idx="2">
-            <a:schemeClr val="accent1">
-              <a:shade val="15000"/>
-            </a:schemeClr>
-          </a:lnRef>
-          <a:fillRef idx="1">
-            <a:schemeClr val="accent1"/>
-          </a:fillRef>
-          <a:effectRef idx="0">
-            <a:schemeClr val="accent1"/>
-          </a:effectRef>
-          <a:fontRef idx="minor">
-            <a:schemeClr val="lt1"/>
-          </a:fontRef>
-        </p:style>
-        <p:txBody>
-          <a:bodyPr rtlCol="0" anchor="ctr"/>
-          <a:lstStyle/>
-          <a:p>
-            <a:pPr algn="ctr"/>
-            <a:endParaRPr lang="en-DK" dirty="0"/>
-          </a:p>
-        </p:txBody>
-      </p:sp>
-      <p:sp>
-        <p:nvSpPr>
-          <p:cNvPr id="9" name="Subtitle 2">
-            <a:extLst>
-              <a:ext uri="{FF2B5EF4-FFF2-40B4-BE49-F238E27FC236}">
-                <a16:creationId xmlns:a16="http://schemas.microsoft.com/office/drawing/2014/main" id="{29ADA4A3-2FBF-3161-9687-F8AC3278753E}"/>
-              </a:ext>
-            </a:extLst>
-          </p:cNvPr>
-          <p:cNvSpPr>
-            <a:spLocks noGrp="1"/>
-          </p:cNvSpPr>
-          <p:nvPr>
-            <p:ph type="subTitle" idx="1"/>
-          </p:nvPr>
-        </p:nvSpPr>
-        <p:spPr>
-          <a:xfrm>
-            <a:off x="893894" y="3629910"/>
-            <a:ext cx="4635917" cy="2615442"/>
-          </a:xfrm>
-        </p:spPr>
-        <p:txBody>
-          <a:bodyPr>
-            <a:normAutofit/>
-          </a:bodyPr>
-          <a:lstStyle/>
-          <a:p>
-            <a:pPr marL="342900" indent="-342900" algn="l">
-              <a:buFont typeface="Arial" panose="020B0604020202020204" pitchFamily="34" charset="0"/>
-              <a:buChar char="•"/>
-            </a:pPr>
-            <a:r>
-              <a:rPr lang="en-US" dirty="0">
-                <a:solidFill>
-                  <a:schemeClr val="bg1"/>
-                </a:solidFill>
-              </a:rPr>
-              <a:t>VIL SENDE REWARDS TIL BRUGEREN</a:t>
-            </a:r>
-          </a:p>
-          <a:p>
-            <a:pPr marL="342900" indent="-342900" algn="l">
-              <a:buFont typeface="Arial" panose="020B0604020202020204" pitchFamily="34" charset="0"/>
-              <a:buChar char="•"/>
-            </a:pPr>
-            <a:r>
-              <a:rPr lang="en-US" dirty="0">
-                <a:solidFill>
-                  <a:schemeClr val="bg1"/>
-                </a:solidFill>
-              </a:rPr>
-              <a:t>SHOW OTHER USERS ’PCS</a:t>
-            </a:r>
-          </a:p>
-          <a:p>
-            <a:pPr marL="342900" indent="-342900" algn="l">
-              <a:buFont typeface="Arial" panose="020B0604020202020204" pitchFamily="34" charset="0"/>
-              <a:buChar char="•"/>
-            </a:pPr>
-            <a:r>
-              <a:rPr lang="en-US" dirty="0">
-                <a:solidFill>
-                  <a:schemeClr val="bg1"/>
-                </a:solidFill>
-              </a:rPr>
-              <a:t>POSITIVE FEEDBACK</a:t>
-            </a:r>
-          </a:p>
-          <a:p>
-            <a:pPr marL="342900" indent="-342900" algn="l">
-              <a:buFont typeface="Arial" panose="020B0604020202020204" pitchFamily="34" charset="0"/>
-              <a:buChar char="•"/>
-            </a:pPr>
-            <a:endParaRPr lang="en-DK" dirty="0">
-              <a:solidFill>
-                <a:schemeClr val="bg1"/>
-              </a:solidFill>
-            </a:endParaRPr>
-          </a:p>
-        </p:txBody>
-      </p:sp>
-      <p:graphicFrame>
-        <p:nvGraphicFramePr>
-          <p:cNvPr id="12" name="Table 11">
-            <a:extLst>
-              <a:ext uri="{FF2B5EF4-FFF2-40B4-BE49-F238E27FC236}">
-                <a16:creationId xmlns:a16="http://schemas.microsoft.com/office/drawing/2014/main" id="{7B69AAA1-3D88-F9DD-E28C-4EE82BF73A6A}"/>
-              </a:ext>
-            </a:extLst>
-          </p:cNvPr>
-          <p:cNvGraphicFramePr>
-            <a:graphicFrameLocks noGrp="1"/>
-          </p:cNvGraphicFramePr>
-          <p:nvPr>
-            <p:extLst>
-              <p:ext uri="{D42A27DB-BD31-4B8C-83A1-F6EECF244321}">
-                <p14:modId xmlns:p14="http://schemas.microsoft.com/office/powerpoint/2010/main" val="1418310736"/>
-              </p:ext>
-            </p:extLst>
-          </p:nvPr>
-        </p:nvGraphicFramePr>
-        <p:xfrm>
-          <a:off x="6419088" y="984842"/>
-          <a:ext cx="5498130" cy="5031912"/>
-        </p:xfrm>
-        <a:graphic>
-          <a:graphicData uri="http://schemas.openxmlformats.org/drawingml/2006/table">
-            <a:tbl>
-              <a:tblPr firstRow="1" bandRow="1">
-                <a:tableStyleId>{073A0DAA-6AF3-43AB-8588-CEC1D06C72B9}</a:tableStyleId>
-              </a:tblPr>
-              <a:tblGrid>
-                <a:gridCol w="1835788">
-                  <a:extLst>
-                    <a:ext uri="{9D8B030D-6E8A-4147-A177-3AD203B41FA5}">
-                      <a16:colId xmlns:a16="http://schemas.microsoft.com/office/drawing/2014/main" val="2385239343"/>
-                    </a:ext>
-                  </a:extLst>
-                </a:gridCol>
-                <a:gridCol w="1831171">
-                  <a:extLst>
-                    <a:ext uri="{9D8B030D-6E8A-4147-A177-3AD203B41FA5}">
-                      <a16:colId xmlns:a16="http://schemas.microsoft.com/office/drawing/2014/main" val="3718431893"/>
-                    </a:ext>
-                  </a:extLst>
-                </a:gridCol>
-                <a:gridCol w="1831171">
-                  <a:extLst>
-                    <a:ext uri="{9D8B030D-6E8A-4147-A177-3AD203B41FA5}">
-                      <a16:colId xmlns:a16="http://schemas.microsoft.com/office/drawing/2014/main" val="403485746"/>
-                    </a:ext>
-                  </a:extLst>
-                </a:gridCol>
-              </a:tblGrid>
-              <a:tr h="1257978">
-                <a:tc>
-                  <a:txBody>
-                    <a:bodyPr/>
-                    <a:lstStyle/>
-                    <a:p>
-                      <a:r>
-                        <a:rPr lang="en-US" dirty="0"/>
-                        <a:t>Function</a:t>
-                      </a:r>
-                      <a:endParaRPr lang="en-DK" dirty="0"/>
-                    </a:p>
-                  </a:txBody>
-                  <a:tcPr/>
-                </a:tc>
-                <a:tc>
-                  <a:txBody>
-                    <a:bodyPr/>
-                    <a:lstStyle/>
-                    <a:p>
-                      <a:r>
-                        <a:rPr lang="en-US" dirty="0"/>
-                        <a:t>Essence</a:t>
-                      </a:r>
-                      <a:endParaRPr lang="en-DK" dirty="0"/>
-                    </a:p>
-                  </a:txBody>
-                  <a:tcPr/>
-                </a:tc>
-                <a:tc>
-                  <a:txBody>
-                    <a:bodyPr/>
-                    <a:lstStyle/>
-                    <a:p>
-                      <a:r>
-                        <a:rPr lang="en-US" dirty="0"/>
-                        <a:t>Persuasive affordances</a:t>
-                      </a:r>
-                      <a:endParaRPr lang="en-DK" dirty="0"/>
-                    </a:p>
-                  </a:txBody>
-                  <a:tcPr/>
-                </a:tc>
-                <a:extLst>
-                  <a:ext uri="{0D108BD9-81ED-4DB2-BD59-A6C34878D82A}">
-                    <a16:rowId xmlns:a16="http://schemas.microsoft.com/office/drawing/2014/main" val="2406223282"/>
-                  </a:ext>
-                </a:extLst>
-              </a:tr>
-              <a:tr h="1257978">
-                <a:tc>
-                  <a:txBody>
-                    <a:bodyPr/>
-                    <a:lstStyle/>
-                    <a:p>
-                      <a:r>
-                        <a:rPr lang="da-DK" sz="1050" noProof="0" dirty="0"/>
-                        <a:t>Stationær</a:t>
-                      </a:r>
-                      <a:r>
-                        <a:rPr lang="en-US" sz="1050" dirty="0"/>
-                        <a:t> </a:t>
-                      </a:r>
-                      <a:r>
-                        <a:rPr lang="en-US" sz="1050" dirty="0" err="1"/>
-                        <a:t>verden</a:t>
-                      </a:r>
-                      <a:r>
-                        <a:rPr lang="en-US" sz="1050" dirty="0"/>
-                        <a:t> </a:t>
-                      </a:r>
-                      <a:r>
-                        <a:rPr lang="en-US" sz="1050" dirty="0" err="1"/>
-                        <a:t>som</a:t>
-                      </a:r>
-                      <a:r>
-                        <a:rPr lang="en-US" sz="1050" dirty="0"/>
-                        <a:t> et </a:t>
-                      </a:r>
-                      <a:r>
-                        <a:rPr lang="en-US" sz="1050" dirty="0" err="1"/>
-                        <a:t>værktøj</a:t>
-                      </a:r>
-                      <a:endParaRPr lang="en-DK" sz="1050" dirty="0"/>
-                    </a:p>
-                  </a:txBody>
-                  <a:tcPr/>
-                </a:tc>
-                <a:tc>
-                  <a:txBody>
-                    <a:bodyPr/>
-                    <a:lstStyle/>
-                    <a:p>
-                      <a:r>
-                        <a:rPr lang="en-US" sz="1050" dirty="0" err="1"/>
-                        <a:t>Øger</a:t>
-                      </a:r>
-                      <a:r>
-                        <a:rPr lang="en-US" sz="1050" dirty="0"/>
-                        <a:t> </a:t>
-                      </a:r>
-                      <a:r>
-                        <a:rPr lang="en-US" sz="1050" dirty="0" err="1"/>
-                        <a:t>forståelse</a:t>
-                      </a:r>
-                      <a:r>
-                        <a:rPr lang="en-US" sz="1050" dirty="0"/>
-                        <a:t> </a:t>
-                      </a:r>
-                      <a:r>
-                        <a:rPr lang="en-US" sz="1050" dirty="0" err="1"/>
-                        <a:t>indefor</a:t>
-                      </a:r>
-                      <a:r>
-                        <a:rPr lang="en-US" sz="1050" dirty="0"/>
-                        <a:t> pc </a:t>
-                      </a:r>
-                      <a:r>
-                        <a:rPr lang="en-US" sz="1050" dirty="0" err="1"/>
-                        <a:t>teknologi</a:t>
-                      </a:r>
-                      <a:endParaRPr lang="en-DK" sz="1050" dirty="0"/>
-                    </a:p>
-                  </a:txBody>
-                  <a:tcPr/>
-                </a:tc>
-                <a:tc>
-                  <a:txBody>
-                    <a:bodyPr/>
-                    <a:lstStyle/>
-                    <a:p>
-                      <a:pPr marL="171450" indent="-171450">
-                        <a:buFontTx/>
-                        <a:buChar char="-"/>
-                      </a:pPr>
-                      <a:r>
-                        <a:rPr lang="da-DK" sz="1050" noProof="0" dirty="0"/>
-                        <a:t>Giver informationer for bedre økonomiske valg indenfor PC byggeri</a:t>
-                      </a:r>
-                    </a:p>
-                    <a:p>
-                      <a:pPr marL="171450" indent="-171450">
-                        <a:buFontTx/>
-                        <a:buChar char="-"/>
-                      </a:pPr>
-                      <a:r>
-                        <a:rPr lang="da-DK" sz="1050" noProof="0" dirty="0"/>
-                        <a:t>Øger forståelse for elektronik </a:t>
-                      </a:r>
-                    </a:p>
-                  </a:txBody>
-                  <a:tcPr/>
-                </a:tc>
-                <a:extLst>
-                  <a:ext uri="{0D108BD9-81ED-4DB2-BD59-A6C34878D82A}">
-                    <a16:rowId xmlns:a16="http://schemas.microsoft.com/office/drawing/2014/main" val="1213320940"/>
-                  </a:ext>
-                </a:extLst>
-              </a:tr>
-              <a:tr h="1257978">
-                <a:tc>
-                  <a:txBody>
-                    <a:bodyPr/>
-                    <a:lstStyle/>
-                    <a:p>
-                      <a:pPr marL="0" marR="0" lvl="0" indent="0" algn="l" defTabSz="914400" rtl="0" eaLnBrk="1" fontAlgn="auto" latinLnBrk="0" hangingPunct="1">
-                        <a:lnSpc>
-                          <a:spcPct val="100000"/>
-                        </a:lnSpc>
-                        <a:spcBef>
-                          <a:spcPts val="0"/>
-                        </a:spcBef>
-                        <a:spcAft>
-                          <a:spcPts val="0"/>
-                        </a:spcAft>
-                        <a:buClrTx/>
-                        <a:buSzTx/>
-                        <a:buFontTx/>
-                        <a:buNone/>
-                        <a:tabLst/>
-                        <a:defRPr/>
-                      </a:pPr>
-                      <a:r>
-                        <a:rPr lang="en-US" sz="1050" dirty="0" err="1"/>
-                        <a:t>Stationær</a:t>
-                      </a:r>
-                      <a:r>
-                        <a:rPr lang="en-US" sz="1050" dirty="0"/>
-                        <a:t> </a:t>
-                      </a:r>
-                      <a:r>
-                        <a:rPr lang="en-US" sz="1050" dirty="0" err="1"/>
-                        <a:t>verden</a:t>
-                      </a:r>
-                      <a:r>
-                        <a:rPr lang="en-US" sz="1050" dirty="0"/>
-                        <a:t> </a:t>
-                      </a:r>
-                      <a:r>
-                        <a:rPr lang="en-US" sz="1050" dirty="0" err="1"/>
-                        <a:t>som</a:t>
-                      </a:r>
-                      <a:r>
-                        <a:rPr lang="en-US" sz="1050" dirty="0"/>
-                        <a:t> medium</a:t>
-                      </a:r>
-                      <a:endParaRPr lang="en-DK" sz="1050" dirty="0"/>
-                    </a:p>
-                    <a:p>
-                      <a:endParaRPr lang="en-DK" sz="1050" dirty="0"/>
-                    </a:p>
-                  </a:txBody>
-                  <a:tcPr/>
-                </a:tc>
-                <a:tc>
-                  <a:txBody>
-                    <a:bodyPr/>
-                    <a:lstStyle/>
-                    <a:p>
-                      <a:r>
-                        <a:rPr lang="en-US" sz="1050" dirty="0"/>
-                        <a:t>Giver </a:t>
-                      </a:r>
-                      <a:r>
-                        <a:rPr lang="en-US" sz="1050" dirty="0" err="1"/>
-                        <a:t>praktisk</a:t>
-                      </a:r>
-                      <a:r>
-                        <a:rPr lang="en-US" sz="1050" dirty="0"/>
-                        <a:t> </a:t>
-                      </a:r>
-                      <a:r>
-                        <a:rPr lang="en-US" sz="1050" dirty="0" err="1"/>
-                        <a:t>erfaring</a:t>
-                      </a:r>
-                      <a:r>
-                        <a:rPr lang="en-US" sz="1050" dirty="0"/>
-                        <a:t> </a:t>
-                      </a:r>
-                      <a:endParaRPr lang="en-DK" sz="1050" dirty="0"/>
-                    </a:p>
-                  </a:txBody>
-                  <a:tcPr/>
-                </a:tc>
-                <a:tc>
-                  <a:txBody>
-                    <a:bodyPr/>
-                    <a:lstStyle/>
-                    <a:p>
-                      <a:pPr marL="171450" indent="-171450">
-                        <a:buFontTx/>
-                        <a:buChar char="-"/>
-                      </a:pPr>
-                      <a:r>
-                        <a:rPr lang="da-DK" sz="1050" noProof="0" dirty="0"/>
-                        <a:t>Øger selvtillid til at bygge sin eget PC i virkeligheden</a:t>
-                      </a:r>
-                    </a:p>
-                    <a:p>
-                      <a:pPr marL="171450" indent="-171450">
-                        <a:buFontTx/>
-                        <a:buChar char="-"/>
-                      </a:pPr>
-                      <a:r>
-                        <a:rPr lang="da-DK" sz="1050" noProof="0" dirty="0"/>
-                        <a:t>Motivere brugeren til at bygge sin eget PC fra bunden af</a:t>
-                      </a:r>
-                    </a:p>
-                  </a:txBody>
-                  <a:tcPr/>
-                </a:tc>
-                <a:extLst>
-                  <a:ext uri="{0D108BD9-81ED-4DB2-BD59-A6C34878D82A}">
-                    <a16:rowId xmlns:a16="http://schemas.microsoft.com/office/drawing/2014/main" val="1034635"/>
-                  </a:ext>
-                </a:extLst>
-              </a:tr>
-              <a:tr h="1257978">
-                <a:tc>
-                  <a:txBody>
-                    <a:bodyPr/>
-                    <a:lstStyle/>
-                    <a:p>
-                      <a:pPr marL="0" marR="0" lvl="0" indent="0" algn="l" defTabSz="914400" rtl="0" eaLnBrk="1" fontAlgn="auto" latinLnBrk="0" hangingPunct="1">
-                        <a:lnSpc>
-                          <a:spcPct val="100000"/>
-                        </a:lnSpc>
-                        <a:spcBef>
-                          <a:spcPts val="0"/>
-                        </a:spcBef>
-                        <a:spcAft>
-                          <a:spcPts val="0"/>
-                        </a:spcAft>
-                        <a:buClrTx/>
-                        <a:buSzTx/>
-                        <a:buFontTx/>
-                        <a:buNone/>
-                        <a:tabLst/>
-                        <a:defRPr/>
-                      </a:pPr>
-                      <a:r>
-                        <a:rPr lang="en-US" sz="1050" dirty="0" err="1"/>
-                        <a:t>Stationær</a:t>
-                      </a:r>
-                      <a:r>
-                        <a:rPr lang="en-US" sz="1050" dirty="0"/>
-                        <a:t> </a:t>
-                      </a:r>
-                      <a:r>
-                        <a:rPr lang="en-US" sz="1050" dirty="0" err="1"/>
-                        <a:t>verden</a:t>
-                      </a:r>
-                      <a:r>
-                        <a:rPr lang="en-US" sz="1050" dirty="0"/>
-                        <a:t> </a:t>
-                      </a:r>
-                      <a:r>
-                        <a:rPr lang="en-US" sz="1050" dirty="0" err="1"/>
-                        <a:t>som</a:t>
-                      </a:r>
-                      <a:r>
-                        <a:rPr lang="en-US" sz="1050" dirty="0"/>
-                        <a:t> social </a:t>
-                      </a:r>
-                      <a:r>
-                        <a:rPr lang="en-US" sz="1050" dirty="0" err="1"/>
-                        <a:t>aktør</a:t>
-                      </a:r>
-                      <a:endParaRPr lang="en-DK" sz="1050" dirty="0"/>
-                    </a:p>
-                    <a:p>
-                      <a:endParaRPr lang="en-DK" sz="1050" dirty="0"/>
-                    </a:p>
-                  </a:txBody>
-                  <a:tcPr/>
-                </a:tc>
-                <a:tc>
-                  <a:txBody>
-                    <a:bodyPr/>
-                    <a:lstStyle/>
-                    <a:p>
-                      <a:r>
-                        <a:rPr lang="en-US" sz="1050" dirty="0" err="1"/>
-                        <a:t>skaber</a:t>
-                      </a:r>
-                      <a:r>
-                        <a:rPr lang="en-US" sz="1050" dirty="0"/>
-                        <a:t> </a:t>
-                      </a:r>
-                      <a:r>
-                        <a:rPr lang="en-US" sz="1050" dirty="0" err="1"/>
-                        <a:t>stærke</a:t>
-                      </a:r>
-                      <a:r>
-                        <a:rPr lang="en-US" sz="1050" dirty="0"/>
-                        <a:t> pc-</a:t>
-                      </a:r>
-                      <a:r>
-                        <a:rPr lang="en-US" sz="1050" dirty="0" err="1"/>
-                        <a:t>byggefællesskaber</a:t>
-                      </a:r>
-                      <a:endParaRPr lang="en-DK" sz="1050" dirty="0"/>
-                    </a:p>
-                  </a:txBody>
-                  <a:tcPr/>
-                </a:tc>
-                <a:tc>
-                  <a:txBody>
-                    <a:bodyPr/>
-                    <a:lstStyle/>
-                    <a:p>
-                      <a:pPr marL="171450" indent="-171450">
-                        <a:buFontTx/>
-                        <a:buChar char="-"/>
-                      </a:pPr>
-                      <a:r>
-                        <a:rPr lang="da-DK" sz="1050" noProof="0" dirty="0"/>
-                        <a:t>Skaber tryghed for brugeren</a:t>
-                      </a:r>
-                    </a:p>
-                    <a:p>
-                      <a:pPr marL="171450" indent="-171450">
-                        <a:buFontTx/>
-                        <a:buChar char="-"/>
-                      </a:pPr>
-                      <a:r>
-                        <a:rPr lang="da-DK" sz="1050" noProof="0" dirty="0"/>
-                        <a:t>Positive feedback</a:t>
-                      </a:r>
-                    </a:p>
-                    <a:p>
-                      <a:pPr marL="171450" indent="-171450">
-                        <a:buFontTx/>
-                        <a:buChar char="-"/>
-                      </a:pPr>
-                      <a:r>
-                        <a:rPr lang="da-DK" sz="1050" noProof="0" dirty="0"/>
-                        <a:t>Skaber forhold med brugeren</a:t>
-                      </a:r>
-                    </a:p>
-                  </a:txBody>
-                  <a:tcPr/>
-                </a:tc>
-                <a:extLst>
-                  <a:ext uri="{0D108BD9-81ED-4DB2-BD59-A6C34878D82A}">
-                    <a16:rowId xmlns:a16="http://schemas.microsoft.com/office/drawing/2014/main" val="4036922905"/>
-                  </a:ext>
-                </a:extLst>
-              </a:tr>
-            </a:tbl>
-          </a:graphicData>
-        </a:graphic>
-      </p:graphicFrame>
-    </p:spTree>
-    <p:extLst>
-      <p:ext uri="{BB962C8B-B14F-4D97-AF65-F5344CB8AC3E}">
-        <p14:creationId xmlns:p14="http://schemas.microsoft.com/office/powerpoint/2010/main" val="2348155067"/>
-      </p:ext>
-    </p:extLst>
-  </p:cSld>
-  <p:clrMapOvr>
-    <a:masterClrMapping/>
-  </p:clrMapOvr>
-</p:sld>
-</file>
-
-<file path=ppt/slides/slide9.xml><?xml version="1.0" encoding="utf-8"?>
-<p:sld xmlns:a="http://schemas.openxmlformats.org/drawingml/2006/main" xmlns:r="http://schemas.openxmlformats.org/officeDocument/2006/relationships" xmlns:p="http://schemas.openxmlformats.org/presentationml/2006/main">
-  <p:cSld>
-    <p:bg>
-      <p:bgPr>
-        <a:blipFill dpi="0" rotWithShape="1">
-          <a:blip r:embed="rId2">
-            <a:extLst>
-              <a:ext uri="{BEBA8EAE-BF5A-486C-A8C5-ECC9F3942E4B}">
-                <a14:imgProps xmlns:a14="http://schemas.microsoft.com/office/drawing/2010/main">
-                  <a14:imgLayer r:embed="rId3">
+                  <a14:imgLayer r:embed="rId4">
                     <a14:imgEffect>
                       <a14:saturation sat="0"/>
                     </a14:imgEffect>
@@ -7846,7 +6955,16 @@
                   <a:schemeClr val="bg1"/>
                 </a:solidFill>
               </a:rPr>
-              <a:t>VLAEV | DARCI OG RYAN</a:t>
+              <a:t>VLAEV | </a:t>
+            </a:r>
+            <a:r>
+              <a:rPr lang="nb-NO" sz="1800" b="1" dirty="0">
+                <a:solidFill>
+                  <a:schemeClr val="bg1"/>
+                </a:solidFill>
+                <a:latin typeface="Calibri" panose="020F0502020204030204" pitchFamily="34" charset="0"/>
+              </a:rPr>
+              <a:t>LÆRINGSSTILE</a:t>
             </a:r>
             <a:endParaRPr lang="en-DK" dirty="0">
               <a:solidFill>
@@ -7999,7 +7117,7 @@
         <p:spPr>
           <a:xfrm>
             <a:off x="2223951" y="3186055"/>
-            <a:ext cx="7731440" cy="2306655"/>
+            <a:ext cx="7731440" cy="3273658"/>
           </a:xfrm>
         </p:spPr>
         <p:txBody>
@@ -8008,68 +7126,149 @@
           </a:bodyPr>
           <a:lstStyle/>
           <a:p>
-            <a:pPr marL="342900" indent="-342900">
+            <a:pPr marL="342900" indent="-342900" algn="l">
               <a:buFont typeface="Arial" panose="020B0604020202020204" pitchFamily="34" charset="0"/>
               <a:buChar char="•"/>
             </a:pPr>
             <a:r>
-              <a:rPr lang="en-US" sz="2200" dirty="0">
+              <a:rPr lang="en-US" sz="2000" dirty="0">
                 <a:solidFill>
                   <a:schemeClr val="bg1"/>
                 </a:solidFill>
               </a:rPr>
-              <a:t>MOTIVATION</a:t>
-            </a:r>
-          </a:p>
-          <a:p>
-            <a:pPr marL="342900" indent="-342900">
+              <a:t>AKTIVISTEN : LÆRER GENNEM ERFARINGER OG OPLEVELSER</a:t>
+            </a:r>
+          </a:p>
+          <a:p>
+            <a:pPr marL="800100" lvl="1" indent="-342900" algn="l">
               <a:buFont typeface="Arial" panose="020B0604020202020204" pitchFamily="34" charset="0"/>
               <a:buChar char="•"/>
             </a:pPr>
             <a:r>
-              <a:rPr lang="en-US" sz="2200" dirty="0">
+              <a:rPr lang="en-US" sz="1600" dirty="0">
                 <a:solidFill>
                   <a:schemeClr val="bg1"/>
                 </a:solidFill>
               </a:rPr>
-              <a:t>MOTIVATION GENNEM NUDGING</a:t>
-            </a:r>
-          </a:p>
-          <a:p>
-            <a:pPr marL="342900" indent="-342900">
+              <a:t>EGO, DEFAULTS</a:t>
+            </a:r>
+          </a:p>
+          <a:p>
+            <a:pPr marL="342900" indent="-342900" algn="l">
               <a:buFont typeface="Arial" panose="020B0604020202020204" pitchFamily="34" charset="0"/>
               <a:buChar char="•"/>
             </a:pPr>
             <a:r>
-              <a:rPr lang="en-US" sz="2200" dirty="0">
+              <a:rPr lang="en-US" sz="2000" dirty="0">
                 <a:solidFill>
                   <a:schemeClr val="bg1"/>
                 </a:solidFill>
               </a:rPr>
-              <a:t>MOTIVATIONS TYPER</a:t>
-            </a:r>
-          </a:p>
-          <a:p>
-            <a:pPr marL="342900" indent="-342900">
+              <a:t>REFLEKTOREN : LÆRER VED AT OBSERVERE, IAGTTAGE</a:t>
+            </a:r>
+          </a:p>
+          <a:p>
+            <a:pPr marL="800100" lvl="1" indent="-342900" algn="l">
               <a:buFont typeface="Arial" panose="020B0604020202020204" pitchFamily="34" charset="0"/>
               <a:buChar char="•"/>
             </a:pPr>
             <a:r>
-              <a:rPr lang="en-US" sz="2200" dirty="0">
+              <a:rPr lang="en-US" sz="1600" dirty="0">
                 <a:solidFill>
                   <a:schemeClr val="bg1"/>
                 </a:solidFill>
               </a:rPr>
-              <a:t>MOTIVERE BRUGERE GENNEM NUDGING</a:t>
-            </a:r>
-            <a:endParaRPr lang="en-DK" sz="2200" dirty="0">
-              <a:solidFill>
-                <a:schemeClr val="bg1"/>
-              </a:solidFill>
-            </a:endParaRPr>
-          </a:p>
-        </p:txBody>
-      </p:sp>
+              <a:t>MESSENGER</a:t>
+            </a:r>
+          </a:p>
+          <a:p>
+            <a:pPr marL="342900" indent="-342900" algn="l">
+              <a:buFont typeface="Arial" panose="020B0604020202020204" pitchFamily="34" charset="0"/>
+              <a:buChar char="•"/>
+            </a:pPr>
+            <a:r>
+              <a:rPr lang="en-US" sz="2000" dirty="0">
+                <a:solidFill>
+                  <a:schemeClr val="bg1"/>
+                </a:solidFill>
+              </a:rPr>
+              <a:t>TEORETIKEREN : SØGER ABSTAKT FORSTÅELSE</a:t>
+            </a:r>
+          </a:p>
+          <a:p>
+            <a:pPr marL="800100" lvl="1" indent="-342900" algn="l">
+              <a:buFont typeface="Arial" panose="020B0604020202020204" pitchFamily="34" charset="0"/>
+              <a:buChar char="•"/>
+            </a:pPr>
+            <a:r>
+              <a:rPr lang="en-US" sz="1600" dirty="0">
+                <a:solidFill>
+                  <a:schemeClr val="bg1"/>
+                </a:solidFill>
+              </a:rPr>
+              <a:t>MESSENGER</a:t>
+            </a:r>
+          </a:p>
+          <a:p>
+            <a:pPr marL="342900" indent="-342900" algn="l">
+              <a:buFont typeface="Arial" panose="020B0604020202020204" pitchFamily="34" charset="0"/>
+              <a:buChar char="•"/>
+            </a:pPr>
+            <a:r>
+              <a:rPr lang="en-US" sz="2000" dirty="0">
+                <a:solidFill>
+                  <a:schemeClr val="bg1"/>
+                </a:solidFill>
+              </a:rPr>
+              <a:t>PRAGMATIKEREN : EKSPERIMENTERE, AFPRØVE I PRAKSIS</a:t>
+            </a:r>
+          </a:p>
+          <a:p>
+            <a:pPr marL="800100" lvl="1" indent="-342900" algn="l">
+              <a:buFont typeface="Arial" panose="020B0604020202020204" pitchFamily="34" charset="0"/>
+              <a:buChar char="•"/>
+            </a:pPr>
+            <a:r>
+              <a:rPr lang="en-US" sz="1600" dirty="0">
+                <a:solidFill>
+                  <a:schemeClr val="bg1"/>
+                </a:solidFill>
+              </a:rPr>
+              <a:t>DEFAULTS, COMMITMENTS</a:t>
+            </a:r>
+          </a:p>
+        </p:txBody>
+      </p:sp>
+      <p:pic>
+        <p:nvPicPr>
+          <p:cNvPr id="7" name="Picture 6">
+            <a:extLst>
+              <a:ext uri="{FF2B5EF4-FFF2-40B4-BE49-F238E27FC236}">
+                <a16:creationId xmlns:a16="http://schemas.microsoft.com/office/drawing/2014/main" id="{C0F97BC0-2CE1-8564-1E0B-70894B05AFD4}"/>
+              </a:ext>
+            </a:extLst>
+          </p:cNvPr>
+          <p:cNvPicPr>
+            <a:picLocks noChangeAspect="1"/>
+          </p:cNvPicPr>
+          <p:nvPr/>
+        </p:nvPicPr>
+        <p:blipFill>
+          <a:blip r:embed="rId5"/>
+          <a:stretch>
+            <a:fillRect/>
+          </a:stretch>
+        </p:blipFill>
+        <p:spPr>
+          <a:xfrm>
+            <a:off x="9024797" y="280594"/>
+            <a:ext cx="2888908" cy="2624868"/>
+          </a:xfrm>
+          <a:prstGeom prst="rect">
+            <a:avLst/>
+          </a:prstGeom>
+        </p:spPr>
+      </p:pic>
     </p:spTree>
     <p:extLst>
       <p:ext uri="{BB962C8B-B14F-4D97-AF65-F5344CB8AC3E}">
@@ -8398,24 +7597,322 @@
 </a:theme>
 </file>
 
-<file path=customXml/item1.xml><?xml version="1.0" encoding="utf-8"?>
-<p:properties xmlns:p="http://schemas.microsoft.com/office/2006/metadata/properties" xmlns:xsi="http://www.w3.org/2001/XMLSchema-instance" xmlns:pc="http://schemas.microsoft.com/office/infopath/2007/PartnerControls">
-  <documentManagement>
-    <_activity xmlns="bead18b1-ae6e-4712-84ad-8a48a0d74569" xsi:nil="true"/>
-  </documentManagement>
-</p:properties>
+<file path=ppt/theme/theme2.xml><?xml version="1.0" encoding="utf-8"?>
+<a:theme xmlns:a="http://schemas.openxmlformats.org/drawingml/2006/main" name="Office Theme">
+  <a:themeElements>
+    <a:clrScheme name="Office">
+      <a:dk1>
+        <a:sysClr val="windowText" lastClr="000000"/>
+      </a:dk1>
+      <a:lt1>
+        <a:sysClr val="window" lastClr="FFFFFF"/>
+      </a:lt1>
+      <a:dk2>
+        <a:srgbClr val="0E2841"/>
+      </a:dk2>
+      <a:lt2>
+        <a:srgbClr val="E8E8E8"/>
+      </a:lt2>
+      <a:accent1>
+        <a:srgbClr val="156082"/>
+      </a:accent1>
+      <a:accent2>
+        <a:srgbClr val="E97132"/>
+      </a:accent2>
+      <a:accent3>
+        <a:srgbClr val="196B24"/>
+      </a:accent3>
+      <a:accent4>
+        <a:srgbClr val="0F9ED5"/>
+      </a:accent4>
+      <a:accent5>
+        <a:srgbClr val="A02B93"/>
+      </a:accent5>
+      <a:accent6>
+        <a:srgbClr val="4EA72E"/>
+      </a:accent6>
+      <a:hlink>
+        <a:srgbClr val="467886"/>
+      </a:hlink>
+      <a:folHlink>
+        <a:srgbClr val="96607D"/>
+      </a:folHlink>
+    </a:clrScheme>
+    <a:fontScheme name="Office">
+      <a:majorFont>
+        <a:latin typeface="Aptos Display" panose="02110004020202020204"/>
+        <a:ea typeface=""/>
+        <a:cs typeface=""/>
+        <a:font script="Jpan" typeface="游ゴシック Light"/>
+        <a:font script="Hang" typeface="맑은 고딕"/>
+        <a:font script="Hans" typeface="等线 Light"/>
+        <a:font script="Hant" typeface="新細明體"/>
+        <a:font script="Arab" typeface="Times New Roman"/>
+        <a:font script="Hebr" typeface="Times New Roman"/>
+        <a:font script="Thai" typeface="Angsana New"/>
+        <a:font script="Ethi" typeface="Nyala"/>
+        <a:font script="Beng" typeface="Vrinda"/>
+        <a:font script="Gujr" typeface="Shruti"/>
+        <a:font script="Khmr" typeface="MoolBoran"/>
+        <a:font script="Knda" typeface="Tunga"/>
+        <a:font script="Guru" typeface="Raavi"/>
+        <a:font script="Cans" typeface="Euphemia"/>
+        <a:font script="Cher" typeface="Plantagenet Cherokee"/>
+        <a:font script="Yiii" typeface="Microsoft Yi Baiti"/>
+        <a:font script="Tibt" typeface="Microsoft Himalaya"/>
+        <a:font script="Thaa" typeface="MV Boli"/>
+        <a:font script="Deva" typeface="Mangal"/>
+        <a:font script="Telu" typeface="Gautami"/>
+        <a:font script="Taml" typeface="Latha"/>
+        <a:font script="Syrc" typeface="Estrangelo Edessa"/>
+        <a:font script="Orya" typeface="Kalinga"/>
+        <a:font script="Mlym" typeface="Kartika"/>
+        <a:font script="Laoo" typeface="DokChampa"/>
+        <a:font script="Sinh" typeface="Iskoola Pota"/>
+        <a:font script="Mong" typeface="Mongolian Baiti"/>
+        <a:font script="Viet" typeface="Times New Roman"/>
+        <a:font script="Uigh" typeface="Microsoft Uighur"/>
+        <a:font script="Geor" typeface="Sylfaen"/>
+        <a:font script="Armn" typeface="Arial"/>
+        <a:font script="Bugi" typeface="Leelawadee UI"/>
+        <a:font script="Bopo" typeface="Microsoft JhengHei"/>
+        <a:font script="Java" typeface="Javanese Text"/>
+        <a:font script="Lisu" typeface="Segoe UI"/>
+        <a:font script="Mymr" typeface="Myanmar Text"/>
+        <a:font script="Nkoo" typeface="Ebrima"/>
+        <a:font script="Olck" typeface="Nirmala UI"/>
+        <a:font script="Osma" typeface="Ebrima"/>
+        <a:font script="Phag" typeface="Phagspa"/>
+        <a:font script="Syrn" typeface="Estrangelo Edessa"/>
+        <a:font script="Syrj" typeface="Estrangelo Edessa"/>
+        <a:font script="Syre" typeface="Estrangelo Edessa"/>
+        <a:font script="Sora" typeface="Nirmala UI"/>
+        <a:font script="Tale" typeface="Microsoft Tai Le"/>
+        <a:font script="Talu" typeface="Microsoft New Tai Lue"/>
+        <a:font script="Tfng" typeface="Ebrima"/>
+      </a:majorFont>
+      <a:minorFont>
+        <a:latin typeface="Aptos" panose="02110004020202020204"/>
+        <a:ea typeface=""/>
+        <a:cs typeface=""/>
+        <a:font script="Jpan" typeface="游ゴシック"/>
+        <a:font script="Hang" typeface="맑은 고딕"/>
+        <a:font script="Hans" typeface="等线"/>
+        <a:font script="Hant" typeface="新細明體"/>
+        <a:font script="Arab" typeface="Arial"/>
+        <a:font script="Hebr" typeface="Arial"/>
+        <a:font script="Thai" typeface="Cordia New"/>
+        <a:font script="Ethi" typeface="Nyala"/>
+        <a:font script="Beng" typeface="Vrinda"/>
+        <a:font script="Gujr" typeface="Shruti"/>
+        <a:font script="Khmr" typeface="DaunPenh"/>
+        <a:font script="Knda" typeface="Tunga"/>
+        <a:font script="Guru" typeface="Raavi"/>
+        <a:font script="Cans" typeface="Euphemia"/>
+        <a:font script="Cher" typeface="Plantagenet Cherokee"/>
+        <a:font script="Yiii" typeface="Microsoft Yi Baiti"/>
+        <a:font script="Tibt" typeface="Microsoft Himalaya"/>
+        <a:font script="Thaa" typeface="MV Boli"/>
+        <a:font script="Deva" typeface="Mangal"/>
+        <a:font script="Telu" typeface="Gautami"/>
+        <a:font script="Taml" typeface="Latha"/>
+        <a:font script="Syrc" typeface="Estrangelo Edessa"/>
+        <a:font script="Orya" typeface="Kalinga"/>
+        <a:font script="Mlym" typeface="Kartika"/>
+        <a:font script="Laoo" typeface="DokChampa"/>
+        <a:font script="Sinh" typeface="Iskoola Pota"/>
+        <a:font script="Mong" typeface="Mongolian Baiti"/>
+        <a:font script="Viet" typeface="Arial"/>
+        <a:font script="Uigh" typeface="Microsoft Uighur"/>
+        <a:font script="Geor" typeface="Sylfaen"/>
+        <a:font script="Armn" typeface="Arial"/>
+        <a:font script="Bugi" typeface="Leelawadee UI"/>
+        <a:font script="Bopo" typeface="Microsoft JhengHei"/>
+        <a:font script="Java" typeface="Javanese Text"/>
+        <a:font script="Lisu" typeface="Segoe UI"/>
+        <a:font script="Mymr" typeface="Myanmar Text"/>
+        <a:font script="Nkoo" typeface="Ebrima"/>
+        <a:font script="Olck" typeface="Nirmala UI"/>
+        <a:font script="Osma" typeface="Ebrima"/>
+        <a:font script="Phag" typeface="Phagspa"/>
+        <a:font script="Syrn" typeface="Estrangelo Edessa"/>
+        <a:font script="Syrj" typeface="Estrangelo Edessa"/>
+        <a:font script="Syre" typeface="Estrangelo Edessa"/>
+        <a:font script="Sora" typeface="Nirmala UI"/>
+        <a:font script="Tale" typeface="Microsoft Tai Le"/>
+        <a:font script="Talu" typeface="Microsoft New Tai Lue"/>
+        <a:font script="Tfng" typeface="Ebrima"/>
+      </a:minorFont>
+    </a:fontScheme>
+    <a:fmtScheme name="Office">
+      <a:fillStyleLst>
+        <a:solidFill>
+          <a:schemeClr val="phClr"/>
+        </a:solidFill>
+        <a:gradFill rotWithShape="1">
+          <a:gsLst>
+            <a:gs pos="0">
+              <a:schemeClr val="phClr">
+                <a:lumMod val="110000"/>
+                <a:satMod val="105000"/>
+                <a:tint val="67000"/>
+              </a:schemeClr>
+            </a:gs>
+            <a:gs pos="50000">
+              <a:schemeClr val="phClr">
+                <a:lumMod val="105000"/>
+                <a:satMod val="103000"/>
+                <a:tint val="73000"/>
+              </a:schemeClr>
+            </a:gs>
+            <a:gs pos="100000">
+              <a:schemeClr val="phClr">
+                <a:lumMod val="105000"/>
+                <a:satMod val="109000"/>
+                <a:tint val="81000"/>
+              </a:schemeClr>
+            </a:gs>
+          </a:gsLst>
+          <a:lin ang="5400000" scaled="0"/>
+        </a:gradFill>
+        <a:gradFill rotWithShape="1">
+          <a:gsLst>
+            <a:gs pos="0">
+              <a:schemeClr val="phClr">
+                <a:satMod val="103000"/>
+                <a:lumMod val="102000"/>
+                <a:tint val="94000"/>
+              </a:schemeClr>
+            </a:gs>
+            <a:gs pos="50000">
+              <a:schemeClr val="phClr">
+                <a:satMod val="110000"/>
+                <a:lumMod val="100000"/>
+                <a:shade val="100000"/>
+              </a:schemeClr>
+            </a:gs>
+            <a:gs pos="100000">
+              <a:schemeClr val="phClr">
+                <a:lumMod val="99000"/>
+                <a:satMod val="120000"/>
+                <a:shade val="78000"/>
+              </a:schemeClr>
+            </a:gs>
+          </a:gsLst>
+          <a:lin ang="5400000" scaled="0"/>
+        </a:gradFill>
+      </a:fillStyleLst>
+      <a:lnStyleLst>
+        <a:ln w="12700" cap="flat" cmpd="sng" algn="ctr">
+          <a:solidFill>
+            <a:schemeClr val="phClr"/>
+          </a:solidFill>
+          <a:prstDash val="solid"/>
+          <a:miter lim="800000"/>
+        </a:ln>
+        <a:ln w="19050" cap="flat" cmpd="sng" algn="ctr">
+          <a:solidFill>
+            <a:schemeClr val="phClr"/>
+          </a:solidFill>
+          <a:prstDash val="solid"/>
+          <a:miter lim="800000"/>
+        </a:ln>
+        <a:ln w="25400" cap="flat" cmpd="sng" algn="ctr">
+          <a:solidFill>
+            <a:schemeClr val="phClr"/>
+          </a:solidFill>
+          <a:prstDash val="solid"/>
+          <a:miter lim="800000"/>
+        </a:ln>
+      </a:lnStyleLst>
+      <a:effectStyleLst>
+        <a:effectStyle>
+          <a:effectLst/>
+        </a:effectStyle>
+        <a:effectStyle>
+          <a:effectLst/>
+        </a:effectStyle>
+        <a:effectStyle>
+          <a:effectLst>
+            <a:outerShdw blurRad="57150" dist="19050" dir="5400000" algn="ctr" rotWithShape="0">
+              <a:srgbClr val="000000">
+                <a:alpha val="63000"/>
+              </a:srgbClr>
+            </a:outerShdw>
+          </a:effectLst>
+        </a:effectStyle>
+      </a:effectStyleLst>
+      <a:bgFillStyleLst>
+        <a:solidFill>
+          <a:schemeClr val="phClr"/>
+        </a:solidFill>
+        <a:solidFill>
+          <a:schemeClr val="phClr">
+            <a:tint val="95000"/>
+            <a:satMod val="170000"/>
+          </a:schemeClr>
+        </a:solidFill>
+        <a:gradFill rotWithShape="1">
+          <a:gsLst>
+            <a:gs pos="0">
+              <a:schemeClr val="phClr">
+                <a:tint val="93000"/>
+                <a:satMod val="150000"/>
+                <a:shade val="98000"/>
+                <a:lumMod val="102000"/>
+              </a:schemeClr>
+            </a:gs>
+            <a:gs pos="50000">
+              <a:schemeClr val="phClr">
+                <a:tint val="98000"/>
+                <a:satMod val="130000"/>
+                <a:shade val="90000"/>
+                <a:lumMod val="103000"/>
+              </a:schemeClr>
+            </a:gs>
+            <a:gs pos="100000">
+              <a:schemeClr val="phClr">
+                <a:shade val="63000"/>
+                <a:satMod val="120000"/>
+              </a:schemeClr>
+            </a:gs>
+          </a:gsLst>
+          <a:lin ang="5400000" scaled="0"/>
+        </a:gradFill>
+      </a:bgFillStyleLst>
+    </a:fmtScheme>
+  </a:themeElements>
+  <a:objectDefaults>
+    <a:lnDef>
+      <a:spPr/>
+      <a:bodyPr/>
+      <a:lstStyle/>
+      <a:style>
+        <a:lnRef idx="2">
+          <a:schemeClr val="accent1"/>
+        </a:lnRef>
+        <a:fillRef idx="0">
+          <a:schemeClr val="accent1"/>
+        </a:fillRef>
+        <a:effectRef idx="1">
+          <a:schemeClr val="accent1"/>
+        </a:effectRef>
+        <a:fontRef idx="minor">
+          <a:schemeClr val="tx1"/>
+        </a:fontRef>
+      </a:style>
+    </a:lnDef>
+  </a:objectDefaults>
+  <a:extraClrSchemeLst/>
+  <a:extLst>
+    <a:ext uri="{05A4C25C-085E-4340-85A3-A5531E510DB2}">
+      <thm15:themeFamily xmlns:thm15="http://schemas.microsoft.com/office/thememl/2012/main" name="Office Theme" id="{2E142A2C-CD16-42D6-873A-C26D2A0506FA}" vid="{1BDDFF52-6CD6-40A5-AB3C-68EB2F1E4D0A}"/>
+    </a:ext>
+  </a:extLst>
+</a:theme>
 </file>
 
-<file path=customXml/item2.xml><?xml version="1.0" encoding="utf-8"?>
-<?mso-contentType ?>
-<FormTemplates xmlns="http://schemas.microsoft.com/sharepoint/v3/contenttype/forms">
-  <Display>DocumentLibraryForm</Display>
-  <Edit>DocumentLibraryForm</Edit>
-  <New>DocumentLibraryForm</New>
-</FormTemplates>
-</file>
-
-<file path=customXml/item3.xml><?xml version="1.0" encoding="utf-8"?>
+<file path=customXml/item1.xml><?xml version="1.0" encoding="utf-8"?>
 <ct:contentTypeSchema xmlns:ct="http://schemas.microsoft.com/office/2006/metadata/contentType" xmlns:ma="http://schemas.microsoft.com/office/2006/metadata/properties/metaAttributes" ct:_="" ma:_="" ma:contentTypeName="Dokument" ma:contentTypeID="0x010100F52B55C75B18A347B322D95909DDA757" ma:contentTypeVersion="9" ma:contentTypeDescription="Opret et nyt dokument." ma:contentTypeScope="" ma:versionID="0aa01508069c5961a2c7a4b2c2c0afd8">
   <xsd:schema xmlns:xsd="http://www.w3.org/2001/XMLSchema" xmlns:xs="http://www.w3.org/2001/XMLSchema" xmlns:p="http://schemas.microsoft.com/office/2006/metadata/properties" xmlns:ns3="bead18b1-ae6e-4712-84ad-8a48a0d74569" xmlns:ns4="a97cf567-e3a0-40c4-b740-75b11bfba5f7" targetNamespace="http://schemas.microsoft.com/office/2006/metadata/properties" ma:root="true" ma:fieldsID="eafd56a872e7b48393f404087313795d" ns3:_="" ns4:_="">
     <xsd:import namespace="bead18b1-ae6e-4712-84ad-8a48a0d74569"/>
@@ -8610,32 +8107,24 @@
 </ct:contentTypeSchema>
 </file>
 
-<file path=customXml/itemProps1.xml><?xml version="1.0" encoding="utf-8"?>
-<ds:datastoreItem xmlns:ds="http://schemas.openxmlformats.org/officeDocument/2006/customXml" ds:itemID="{E96DC1FA-2665-4506-85A6-AF1E0577FA24}">
-  <ds:schemaRefs>
-    <ds:schemaRef ds:uri="http://purl.org/dc/elements/1.1/"/>
-    <ds:schemaRef ds:uri="http://purl.org/dc/dcmitype/"/>
-    <ds:schemaRef ds:uri="http://schemas.microsoft.com/office/2006/metadata/properties"/>
-    <ds:schemaRef ds:uri="http://schemas.microsoft.com/office/infopath/2007/PartnerControls"/>
-    <ds:schemaRef ds:uri="bead18b1-ae6e-4712-84ad-8a48a0d74569"/>
-    <ds:schemaRef ds:uri="http://schemas.microsoft.com/office/2006/documentManagement/types"/>
-    <ds:schemaRef ds:uri="a97cf567-e3a0-40c4-b740-75b11bfba5f7"/>
-    <ds:schemaRef ds:uri="http://schemas.openxmlformats.org/package/2006/metadata/core-properties"/>
-    <ds:schemaRef ds:uri="http://www.w3.org/XML/1998/namespace"/>
-    <ds:schemaRef ds:uri="http://purl.org/dc/terms/"/>
-  </ds:schemaRefs>
-</ds:datastoreItem>
+<file path=customXml/item2.xml><?xml version="1.0" encoding="utf-8"?>
+<?mso-contentType ?>
+<FormTemplates xmlns="http://schemas.microsoft.com/sharepoint/v3/contenttype/forms">
+  <Display>DocumentLibraryForm</Display>
+  <Edit>DocumentLibraryForm</Edit>
+  <New>DocumentLibraryForm</New>
+</FormTemplates>
 </file>
 
-<file path=customXml/itemProps2.xml><?xml version="1.0" encoding="utf-8"?>
-<ds:datastoreItem xmlns:ds="http://schemas.openxmlformats.org/officeDocument/2006/customXml" ds:itemID="{034A2112-1BBF-481D-9219-1650866657C1}">
-  <ds:schemaRefs>
-    <ds:schemaRef ds:uri="http://schemas.microsoft.com/sharepoint/v3/contenttype/forms"/>
-  </ds:schemaRefs>
-</ds:datastoreItem>
+<file path=customXml/item3.xml><?xml version="1.0" encoding="utf-8"?>
+<p:properties xmlns:p="http://schemas.microsoft.com/office/2006/metadata/properties" xmlns:xsi="http://www.w3.org/2001/XMLSchema-instance" xmlns:pc="http://schemas.microsoft.com/office/infopath/2007/PartnerControls">
+  <documentManagement>
+    <_activity xmlns="bead18b1-ae6e-4712-84ad-8a48a0d74569" xsi:nil="true"/>
+  </documentManagement>
+</p:properties>
 </file>
 
-<file path=customXml/itemProps3.xml><?xml version="1.0" encoding="utf-8"?>
+<file path=customXml/itemProps1.xml><?xml version="1.0" encoding="utf-8"?>
 <ds:datastoreItem xmlns:ds="http://schemas.openxmlformats.org/officeDocument/2006/customXml" ds:itemID="{43C3ABC7-5AA1-4D5E-814F-FF4096D74A36}">
   <ds:schemaRefs>
     <ds:schemaRef ds:uri="http://schemas.microsoft.com/office/2006/metadata/contentType"/>
@@ -8652,4 +8141,29 @@
     <ds:schemaRef ds:uri="http://schemas.microsoft.com/internal/obd"/>
   </ds:schemaRefs>
 </ds:datastoreItem>
+</file>
+
+<file path=customXml/itemProps2.xml><?xml version="1.0" encoding="utf-8"?>
+<ds:datastoreItem xmlns:ds="http://schemas.openxmlformats.org/officeDocument/2006/customXml" ds:itemID="{034A2112-1BBF-481D-9219-1650866657C1}">
+  <ds:schemaRefs>
+    <ds:schemaRef ds:uri="http://schemas.microsoft.com/sharepoint/v3/contenttype/forms"/>
+  </ds:schemaRefs>
+</ds:datastoreItem>
+</file>
+
+<file path=customXml/itemProps3.xml><?xml version="1.0" encoding="utf-8"?>
+<ds:datastoreItem xmlns:ds="http://schemas.openxmlformats.org/officeDocument/2006/customXml" ds:itemID="{E96DC1FA-2665-4506-85A6-AF1E0577FA24}">
+  <ds:schemaRefs>
+    <ds:schemaRef ds:uri="http://purl.org/dc/elements/1.1/"/>
+    <ds:schemaRef ds:uri="http://purl.org/dc/dcmitype/"/>
+    <ds:schemaRef ds:uri="http://schemas.microsoft.com/office/2006/metadata/properties"/>
+    <ds:schemaRef ds:uri="http://schemas.microsoft.com/office/infopath/2007/PartnerControls"/>
+    <ds:schemaRef ds:uri="bead18b1-ae6e-4712-84ad-8a48a0d74569"/>
+    <ds:schemaRef ds:uri="http://schemas.microsoft.com/office/2006/documentManagement/types"/>
+    <ds:schemaRef ds:uri="a97cf567-e3a0-40c4-b740-75b11bfba5f7"/>
+    <ds:schemaRef ds:uri="http://schemas.openxmlformats.org/package/2006/metadata/core-properties"/>
+    <ds:schemaRef ds:uri="http://www.w3.org/XML/1998/namespace"/>
+    <ds:schemaRef ds:uri="http://purl.org/dc/terms/"/>
+  </ds:schemaRefs>
+</ds:datastoreItem>
 </file>